--- a/reports/NLP Stock Prediction.pptx
+++ b/reports/NLP Stock Prediction.pptx
@@ -17,10 +17,14 @@
     <p:sldId id="266" r:id="rId11"/>
     <p:sldId id="267" r:id="rId12"/>
     <p:sldId id="264" r:id="rId13"/>
-    <p:sldId id="265" r:id="rId14"/>
-    <p:sldId id="268" r:id="rId15"/>
-    <p:sldId id="269" r:id="rId16"/>
-    <p:sldId id="270" r:id="rId17"/>
+    <p:sldId id="273" r:id="rId14"/>
+    <p:sldId id="276" r:id="rId15"/>
+    <p:sldId id="272" r:id="rId16"/>
+    <p:sldId id="274" r:id="rId17"/>
+    <p:sldId id="265" r:id="rId18"/>
+    <p:sldId id="268" r:id="rId19"/>
+    <p:sldId id="269" r:id="rId20"/>
+    <p:sldId id="270" r:id="rId21"/>
   </p:sldIdLst>
   <p:sldSz cx="12192000" cy="6858000"/>
   <p:notesSz cx="6858000" cy="9144000"/>
@@ -7900,6 +7904,10 @@
           <a:p>
             <a:pPr algn="ctr"/>
             <a:r>
+              <a:rPr lang="en-US" dirty="0"/>
+              <a:t>Glove </a:t>
+            </a:r>
+            <a:r>
               <a:rPr lang="en-US" dirty="0" err="1"/>
               <a:t>emb_dim</a:t>
             </a:r>
@@ -7965,6 +7973,10 @@
           </a:p>
           <a:p>
             <a:pPr algn="ctr"/>
+            <a:r>
+              <a:rPr lang="en-US" dirty="0"/>
+              <a:t>Glove </a:t>
+            </a:r>
             <a:r>
               <a:rPr lang="en-US" dirty="0" err="1"/>
               <a:t>emb_dim</a:t>
@@ -8065,6 +8077,10 @@
           <a:p>
             <a:pPr algn="ctr"/>
             <a:r>
+              <a:rPr lang="en-US" dirty="0"/>
+              <a:t>Glove </a:t>
+            </a:r>
+            <a:r>
               <a:rPr lang="en-US" dirty="0" err="1"/>
               <a:t>emb_dim</a:t>
             </a:r>
@@ -8090,6 +8106,57 @@
             <a:r>
               <a:rPr lang="en-US" dirty="0"/>
               <a:t> </a:t>
+            </a:r>
+          </a:p>
+        </p:txBody>
+      </p:sp>
+      <p:sp>
+        <p:nvSpPr>
+          <p:cNvPr id="6" name="TextBox 5">
+            <a:extLst>
+              <a:ext uri="{FF2B5EF4-FFF2-40B4-BE49-F238E27FC236}">
+                <a16:creationId xmlns:a16="http://schemas.microsoft.com/office/drawing/2014/main" id="{0236D043-915E-3058-90FC-8D7372BB42C7}"/>
+              </a:ext>
+            </a:extLst>
+          </p:cNvPr>
+          <p:cNvSpPr txBox="1"/>
+          <p:nvPr/>
+        </p:nvSpPr>
+        <p:spPr>
+          <a:xfrm>
+            <a:off x="4455885" y="6367467"/>
+            <a:ext cx="4963886" cy="369332"/>
+          </a:xfrm>
+          <a:prstGeom prst="rect">
+            <a:avLst/>
+          </a:prstGeom>
+          <a:noFill/>
+        </p:spPr>
+        <p:txBody>
+          <a:bodyPr wrap="square" rtlCol="0">
+            <a:spAutoFit/>
+          </a:bodyPr>
+          <a:lstStyle/>
+          <a:p>
+            <a:r>
+              <a:rPr lang="en-US" dirty="0"/>
+              <a:t>Adam optimizer (</a:t>
+            </a:r>
+            <a:r>
+              <a:rPr lang="en-US" dirty="0" err="1"/>
+              <a:t>lr</a:t>
+            </a:r>
+            <a:r>
+              <a:rPr lang="en-US" dirty="0"/>
+              <a:t>=2e-4), </a:t>
+            </a:r>
+            <a:r>
+              <a:rPr lang="en-US" dirty="0" err="1"/>
+              <a:t>CrossEntropy</a:t>
+            </a:r>
+            <a:r>
+              <a:rPr lang="en-US" dirty="0"/>
+              <a:t> loss</a:t>
             </a:r>
           </a:p>
         </p:txBody>
@@ -8289,6 +8356,10 @@
           <a:p>
             <a:pPr algn="ctr"/>
             <a:r>
+              <a:rPr lang="en-US" dirty="0"/>
+              <a:t>Glove </a:t>
+            </a:r>
+            <a:r>
               <a:rPr lang="en-US" dirty="0" err="1"/>
               <a:t>emb_dim</a:t>
             </a:r>
@@ -8355,6 +8426,10 @@
           <a:p>
             <a:pPr algn="ctr"/>
             <a:r>
+              <a:rPr lang="en-US" dirty="0"/>
+              <a:t>Glove </a:t>
+            </a:r>
+            <a:r>
               <a:rPr lang="en-US" dirty="0" err="1"/>
               <a:t>emb_dim</a:t>
             </a:r>
@@ -8380,6 +8455,57 @@
             <a:r>
               <a:rPr lang="en-US" dirty="0"/>
               <a:t> </a:t>
+            </a:r>
+          </a:p>
+        </p:txBody>
+      </p:sp>
+      <p:sp>
+        <p:nvSpPr>
+          <p:cNvPr id="4" name="TextBox 3">
+            <a:extLst>
+              <a:ext uri="{FF2B5EF4-FFF2-40B4-BE49-F238E27FC236}">
+                <a16:creationId xmlns:a16="http://schemas.microsoft.com/office/drawing/2014/main" id="{EA206265-3C93-F14D-4BD0-AB55AFACEE3F}"/>
+              </a:ext>
+            </a:extLst>
+          </p:cNvPr>
+          <p:cNvSpPr txBox="1"/>
+          <p:nvPr/>
+        </p:nvSpPr>
+        <p:spPr>
+          <a:xfrm>
+            <a:off x="4455885" y="6367467"/>
+            <a:ext cx="4963886" cy="369332"/>
+          </a:xfrm>
+          <a:prstGeom prst="rect">
+            <a:avLst/>
+          </a:prstGeom>
+          <a:noFill/>
+        </p:spPr>
+        <p:txBody>
+          <a:bodyPr wrap="square" rtlCol="0">
+            <a:spAutoFit/>
+          </a:bodyPr>
+          <a:lstStyle/>
+          <a:p>
+            <a:r>
+              <a:rPr lang="en-US" dirty="0"/>
+              <a:t>Adam optimizer (</a:t>
+            </a:r>
+            <a:r>
+              <a:rPr lang="en-US" dirty="0" err="1"/>
+              <a:t>lr</a:t>
+            </a:r>
+            <a:r>
+              <a:rPr lang="en-US" dirty="0"/>
+              <a:t>=2e-4), </a:t>
+            </a:r>
+            <a:r>
+              <a:rPr lang="en-US" dirty="0" err="1"/>
+              <a:t>CrossEntropy</a:t>
+            </a:r>
+            <a:r>
+              <a:rPr lang="en-US" dirty="0"/>
+              <a:t> loss</a:t>
             </a:r>
           </a:p>
         </p:txBody>
@@ -8461,7 +8587,7 @@
         <p:spPr>
           <a:xfrm>
             <a:off x="2589212" y="1640114"/>
-            <a:ext cx="9089266" cy="4271108"/>
+            <a:ext cx="9089266" cy="798286"/>
           </a:xfrm>
         </p:spPr>
         <p:txBody>
@@ -8475,17 +8601,407 @@
             </a:pPr>
             <a:r>
               <a:rPr lang="en-US" dirty="0"/>
-              <a:t>For the stock price movement prediction model, we built a regression model – </a:t>
-            </a:r>
-          </a:p>
-          <a:p>
-            <a:endParaRPr lang="en-US" dirty="0"/>
-          </a:p>
-          <a:p>
-            <a:endParaRPr lang="en-US" dirty="0"/>
-          </a:p>
-        </p:txBody>
-      </p:sp>
+              <a:t>For the stock price </a:t>
+            </a:r>
+            <a:r>
+              <a:rPr lang="en-US" b="1" dirty="0"/>
+              <a:t>movement value </a:t>
+            </a:r>
+            <a:r>
+              <a:rPr lang="en-US" dirty="0"/>
+              <a:t>prediction model, we obtained following test </a:t>
+            </a:r>
+            <a:r>
+              <a:rPr lang="en-US" b="1" dirty="0"/>
+              <a:t>MSE scores </a:t>
+            </a:r>
+            <a:r>
+              <a:rPr lang="en-US" dirty="0"/>
+              <a:t>across different models:</a:t>
+            </a:r>
+          </a:p>
+          <a:p>
+            <a:endParaRPr lang="en-US" dirty="0"/>
+          </a:p>
+        </p:txBody>
+      </p:sp>
+      <p:graphicFrame>
+        <p:nvGraphicFramePr>
+          <p:cNvPr id="4" name="Table 4">
+            <a:extLst>
+              <a:ext uri="{FF2B5EF4-FFF2-40B4-BE49-F238E27FC236}">
+                <a16:creationId xmlns:a16="http://schemas.microsoft.com/office/drawing/2014/main" id="{08C6B6AD-D035-DC0C-747E-878E79820E2B}"/>
+              </a:ext>
+            </a:extLst>
+          </p:cNvPr>
+          <p:cNvGraphicFramePr>
+            <a:graphicFrameLocks noGrp="1"/>
+          </p:cNvGraphicFramePr>
+          <p:nvPr>
+            <p:extLst>
+              <p:ext uri="{D42A27DB-BD31-4B8C-83A1-F6EECF244321}">
+                <p14:modId xmlns:p14="http://schemas.microsoft.com/office/powerpoint/2010/main" val="1766651953"/>
+              </p:ext>
+            </p:extLst>
+          </p:nvPr>
+        </p:nvGraphicFramePr>
+        <p:xfrm>
+          <a:off x="2589212" y="2921004"/>
+          <a:ext cx="8915400" cy="1285240"/>
+        </p:xfrm>
+        <a:graphic>
+          <a:graphicData uri="http://schemas.openxmlformats.org/drawingml/2006/table">
+            <a:tbl>
+              <a:tblPr firstRow="1" bandRow="1">
+                <a:tableStyleId>{5C22544A-7EE6-4342-B048-85BDC9FD1C3A}</a:tableStyleId>
+              </a:tblPr>
+              <a:tblGrid>
+                <a:gridCol w="1783080">
+                  <a:extLst>
+                    <a:ext uri="{9D8B030D-6E8A-4147-A177-3AD203B41FA5}">
+                      <a16:colId xmlns:a16="http://schemas.microsoft.com/office/drawing/2014/main" val="2536690892"/>
+                    </a:ext>
+                  </a:extLst>
+                </a:gridCol>
+                <a:gridCol w="1783080">
+                  <a:extLst>
+                    <a:ext uri="{9D8B030D-6E8A-4147-A177-3AD203B41FA5}">
+                      <a16:colId xmlns:a16="http://schemas.microsoft.com/office/drawing/2014/main" val="39462357"/>
+                    </a:ext>
+                  </a:extLst>
+                </a:gridCol>
+                <a:gridCol w="1783080">
+                  <a:extLst>
+                    <a:ext uri="{9D8B030D-6E8A-4147-A177-3AD203B41FA5}">
+                      <a16:colId xmlns:a16="http://schemas.microsoft.com/office/drawing/2014/main" val="130300467"/>
+                    </a:ext>
+                  </a:extLst>
+                </a:gridCol>
+                <a:gridCol w="1783080">
+                  <a:extLst>
+                    <a:ext uri="{9D8B030D-6E8A-4147-A177-3AD203B41FA5}">
+                      <a16:colId xmlns:a16="http://schemas.microsoft.com/office/drawing/2014/main" val="4259633600"/>
+                    </a:ext>
+                  </a:extLst>
+                </a:gridCol>
+                <a:gridCol w="1783080">
+                  <a:extLst>
+                    <a:ext uri="{9D8B030D-6E8A-4147-A177-3AD203B41FA5}">
+                      <a16:colId xmlns:a16="http://schemas.microsoft.com/office/drawing/2014/main" val="3657949021"/>
+                    </a:ext>
+                  </a:extLst>
+                </a:gridCol>
+              </a:tblGrid>
+              <a:tr h="370840">
+                <a:tc>
+                  <a:txBody>
+                    <a:bodyPr/>
+                    <a:lstStyle/>
+                    <a:p>
+                      <a:pPr marL="0" marR="0" lvl="0" indent="0" algn="ctr" defTabSz="457200" rtl="0" eaLnBrk="1" fontAlgn="auto" latinLnBrk="0" hangingPunct="1">
+                        <a:lnSpc>
+                          <a:spcPct val="100000"/>
+                        </a:lnSpc>
+                        <a:spcBef>
+                          <a:spcPts val="0"/>
+                        </a:spcBef>
+                        <a:spcAft>
+                          <a:spcPts val="0"/>
+                        </a:spcAft>
+                        <a:buClrTx/>
+                        <a:buSzTx/>
+                        <a:buFontTx/>
+                        <a:buNone/>
+                        <a:tabLst/>
+                        <a:defRPr/>
+                      </a:pPr>
+                      <a:r>
+                        <a:rPr lang="en-US" sz="1800" b="0" kern="1200" dirty="0">
+                          <a:solidFill>
+                            <a:schemeClr val="lt1"/>
+                          </a:solidFill>
+                          <a:effectLst/>
+                          <a:latin typeface="+mn-lt"/>
+                          <a:ea typeface="+mn-ea"/>
+                          <a:cs typeface="+mn-cs"/>
+                        </a:rPr>
+                        <a:t>Linear</a:t>
+                      </a:r>
+                    </a:p>
+                    <a:p>
+                      <a:pPr marL="0" marR="0" lvl="0" indent="0" algn="ctr" defTabSz="457200" rtl="0" eaLnBrk="1" fontAlgn="auto" latinLnBrk="0" hangingPunct="1">
+                        <a:lnSpc>
+                          <a:spcPct val="100000"/>
+                        </a:lnSpc>
+                        <a:spcBef>
+                          <a:spcPts val="0"/>
+                        </a:spcBef>
+                        <a:spcAft>
+                          <a:spcPts val="0"/>
+                        </a:spcAft>
+                        <a:buClrTx/>
+                        <a:buSzTx/>
+                        <a:buFontTx/>
+                        <a:buNone/>
+                        <a:tabLst/>
+                        <a:defRPr/>
+                      </a:pPr>
+                      <a:r>
+                        <a:rPr lang="en-US" sz="1800" b="0" kern="1200" dirty="0">
+                          <a:solidFill>
+                            <a:schemeClr val="lt1"/>
+                          </a:solidFill>
+                          <a:effectLst/>
+                          <a:latin typeface="+mn-lt"/>
+                          <a:ea typeface="+mn-ea"/>
+                          <a:cs typeface="+mn-cs"/>
+                        </a:rPr>
+                        <a:t>Regression</a:t>
+                      </a:r>
+                    </a:p>
+                    <a:p>
+                      <a:pPr algn="ctr"/>
+                      <a:endParaRPr lang="en-US" dirty="0"/>
+                    </a:p>
+                  </a:txBody>
+                  <a:tcPr/>
+                </a:tc>
+                <a:tc>
+                  <a:txBody>
+                    <a:bodyPr/>
+                    <a:lstStyle/>
+                    <a:p>
+                      <a:pPr algn="ctr"/>
+                      <a:r>
+                        <a:rPr lang="en-US" sz="1800" b="0" i="0" kern="1200" dirty="0">
+                          <a:solidFill>
+                            <a:schemeClr val="lt1"/>
+                          </a:solidFill>
+                          <a:effectLst/>
+                          <a:latin typeface="+mn-lt"/>
+                          <a:ea typeface="+mn-ea"/>
+                          <a:cs typeface="+mn-cs"/>
+                        </a:rPr>
+                        <a:t>SVM-linear</a:t>
+                      </a:r>
+                      <a:endParaRPr lang="en-US" dirty="0"/>
+                    </a:p>
+                  </a:txBody>
+                  <a:tcPr/>
+                </a:tc>
+                <a:tc>
+                  <a:txBody>
+                    <a:bodyPr/>
+                    <a:lstStyle/>
+                    <a:p>
+                      <a:pPr algn="ctr"/>
+                      <a:r>
+                        <a:rPr lang="en-US" sz="1800" b="0" i="0" kern="1200" dirty="0">
+                          <a:solidFill>
+                            <a:schemeClr val="lt1"/>
+                          </a:solidFill>
+                          <a:effectLst/>
+                          <a:latin typeface="+mn-lt"/>
+                          <a:ea typeface="+mn-ea"/>
+                          <a:cs typeface="+mn-cs"/>
+                        </a:rPr>
+                        <a:t>SVM-poly</a:t>
+                      </a:r>
+                      <a:endParaRPr lang="en-US" dirty="0"/>
+                    </a:p>
+                  </a:txBody>
+                  <a:tcPr/>
+                </a:tc>
+                <a:tc>
+                  <a:txBody>
+                    <a:bodyPr/>
+                    <a:lstStyle/>
+                    <a:p>
+                      <a:pPr algn="ctr"/>
+                      <a:r>
+                        <a:rPr lang="en-US" sz="1800" b="0" i="0" kern="1200" dirty="0">
+                          <a:solidFill>
+                            <a:schemeClr val="lt1"/>
+                          </a:solidFill>
+                          <a:effectLst/>
+                          <a:latin typeface="+mn-lt"/>
+                          <a:ea typeface="+mn-ea"/>
+                          <a:cs typeface="+mn-cs"/>
+                        </a:rPr>
+                        <a:t>SVM-</a:t>
+                      </a:r>
+                      <a:r>
+                        <a:rPr lang="en-US" sz="1800" b="0" i="0" kern="1200" dirty="0" err="1">
+                          <a:solidFill>
+                            <a:schemeClr val="lt1"/>
+                          </a:solidFill>
+                          <a:effectLst/>
+                          <a:latin typeface="+mn-lt"/>
+                          <a:ea typeface="+mn-ea"/>
+                          <a:cs typeface="+mn-cs"/>
+                        </a:rPr>
+                        <a:t>rbf</a:t>
+                      </a:r>
+                      <a:endParaRPr lang="en-US" dirty="0"/>
+                    </a:p>
+                  </a:txBody>
+                  <a:tcPr/>
+                </a:tc>
+                <a:tc>
+                  <a:txBody>
+                    <a:bodyPr/>
+                    <a:lstStyle/>
+                    <a:p>
+                      <a:pPr algn="ctr"/>
+                      <a:r>
+                        <a:rPr lang="en-US" sz="1800" b="0" i="0" kern="1200" dirty="0">
+                          <a:solidFill>
+                            <a:schemeClr val="lt1"/>
+                          </a:solidFill>
+                          <a:effectLst/>
+                          <a:latin typeface="+mn-lt"/>
+                          <a:ea typeface="+mn-ea"/>
+                          <a:cs typeface="+mn-cs"/>
+                        </a:rPr>
+                        <a:t>SVM-sigmoid</a:t>
+                      </a:r>
+                      <a:endParaRPr lang="en-US" dirty="0"/>
+                    </a:p>
+                  </a:txBody>
+                  <a:tcPr/>
+                </a:tc>
+                <a:extLst>
+                  <a:ext uri="{0D108BD9-81ED-4DB2-BD59-A6C34878D82A}">
+                    <a16:rowId xmlns:a16="http://schemas.microsoft.com/office/drawing/2014/main" val="1293873405"/>
+                  </a:ext>
+                </a:extLst>
+              </a:tr>
+              <a:tr h="370840">
+                <a:tc>
+                  <a:txBody>
+                    <a:bodyPr/>
+                    <a:lstStyle/>
+                    <a:p>
+                      <a:pPr algn="ctr"/>
+                      <a:r>
+                        <a:rPr lang="en-US" sz="1800" b="0" i="0" kern="1200" dirty="0">
+                          <a:solidFill>
+                            <a:schemeClr val="dk1"/>
+                          </a:solidFill>
+                          <a:effectLst/>
+                          <a:latin typeface="+mn-lt"/>
+                          <a:ea typeface="+mn-ea"/>
+                          <a:cs typeface="+mn-cs"/>
+                        </a:rPr>
+                        <a:t>4.12</a:t>
+                      </a:r>
+                      <a:endParaRPr lang="en-US" dirty="0"/>
+                    </a:p>
+                  </a:txBody>
+                  <a:tcPr/>
+                </a:tc>
+                <a:tc>
+                  <a:txBody>
+                    <a:bodyPr/>
+                    <a:lstStyle/>
+                    <a:p>
+                      <a:pPr algn="ctr"/>
+                      <a:r>
+                        <a:rPr lang="en-US" sz="1800" b="0" i="0" kern="1200" dirty="0">
+                          <a:solidFill>
+                            <a:schemeClr val="dk1"/>
+                          </a:solidFill>
+                          <a:effectLst/>
+                          <a:latin typeface="+mn-lt"/>
+                          <a:ea typeface="+mn-ea"/>
+                          <a:cs typeface="+mn-cs"/>
+                        </a:rPr>
+                        <a:t>5.42</a:t>
+                      </a:r>
+                      <a:endParaRPr lang="en-US" dirty="0"/>
+                    </a:p>
+                  </a:txBody>
+                  <a:tcPr/>
+                </a:tc>
+                <a:tc>
+                  <a:txBody>
+                    <a:bodyPr/>
+                    <a:lstStyle/>
+                    <a:p>
+                      <a:pPr algn="ctr"/>
+                      <a:r>
+                        <a:rPr lang="en-US" sz="1800" b="0" i="0" kern="1200" dirty="0">
+                          <a:solidFill>
+                            <a:schemeClr val="dk1"/>
+                          </a:solidFill>
+                          <a:effectLst/>
+                          <a:latin typeface="+mn-lt"/>
+                          <a:ea typeface="+mn-ea"/>
+                          <a:cs typeface="+mn-cs"/>
+                        </a:rPr>
+                        <a:t>4.24</a:t>
+                      </a:r>
+                      <a:endParaRPr lang="en-US" dirty="0"/>
+                    </a:p>
+                  </a:txBody>
+                  <a:tcPr/>
+                </a:tc>
+                <a:tc>
+                  <a:txBody>
+                    <a:bodyPr/>
+                    <a:lstStyle/>
+                    <a:p>
+                      <a:pPr algn="ctr"/>
+                      <a:r>
+                        <a:rPr lang="en-US" sz="1800" b="0" i="0" kern="1200" dirty="0">
+                          <a:solidFill>
+                            <a:schemeClr val="dk1"/>
+                          </a:solidFill>
+                          <a:effectLst/>
+                          <a:latin typeface="+mn-lt"/>
+                          <a:ea typeface="+mn-ea"/>
+                          <a:cs typeface="+mn-cs"/>
+                        </a:rPr>
+                        <a:t>4.52</a:t>
+                      </a:r>
+                      <a:endParaRPr lang="en-US" dirty="0"/>
+                    </a:p>
+                  </a:txBody>
+                  <a:tcPr/>
+                </a:tc>
+                <a:tc>
+                  <a:txBody>
+                    <a:bodyPr/>
+                    <a:lstStyle/>
+                    <a:p>
+                      <a:pPr algn="ctr"/>
+                      <a:r>
+                        <a:rPr lang="en-US" sz="1800" b="0" i="0" kern="1200" dirty="0">
+                          <a:solidFill>
+                            <a:schemeClr val="dk1"/>
+                          </a:solidFill>
+                          <a:effectLst/>
+                          <a:latin typeface="+mn-lt"/>
+                          <a:ea typeface="+mn-ea"/>
+                          <a:cs typeface="+mn-cs"/>
+                        </a:rPr>
+                        <a:t>42.01</a:t>
+                      </a:r>
+                      <a:endParaRPr lang="en-US" dirty="0"/>
+                    </a:p>
+                  </a:txBody>
+                  <a:tcPr/>
+                </a:tc>
+                <a:extLst>
+                  <a:ext uri="{0D108BD9-81ED-4DB2-BD59-A6C34878D82A}">
+                    <a16:rowId xmlns:a16="http://schemas.microsoft.com/office/drawing/2014/main" val="26603059"/>
+                  </a:ext>
+                </a:extLst>
+              </a:tr>
+            </a:tbl>
+          </a:graphicData>
+        </a:graphic>
+      </p:graphicFrame>
     </p:spTree>
     <p:extLst>
       <p:ext uri="{BB962C8B-B14F-4D97-AF65-F5344CB8AC3E}">
@@ -8539,7 +9055,7 @@
           <a:p>
             <a:r>
               <a:rPr lang="en-US" dirty="0"/>
-              <a:t>Learnings and Challenges</a:t>
+              <a:t>Results</a:t>
             </a:r>
           </a:p>
         </p:txBody>
@@ -8562,8 +9078,8 @@
         </p:nvSpPr>
         <p:spPr>
           <a:xfrm>
-            <a:off x="2589212" y="1640114"/>
-            <a:ext cx="9089266" cy="4593776"/>
+            <a:off x="2592925" y="1389743"/>
+            <a:ext cx="9323304" cy="798286"/>
           </a:xfrm>
         </p:spPr>
         <p:txBody>
@@ -8572,44 +9088,156 @@
           </a:bodyPr>
           <a:lstStyle/>
           <a:p>
-            <a:r>
-              <a:rPr lang="en-US" dirty="0"/>
-              <a:t>The curation of datasets was the biggest challenge. As no end-to-end dataset for our use case existed in the wild, we had to spend a lot of time cleaning and pruning datasets to satisfy our needs. This helped us learn how to build our own datasets for the task at our hands.</a:t>
-            </a:r>
-          </a:p>
-          <a:p>
             <a:pPr marL="0" indent="0">
               <a:buNone/>
             </a:pPr>
-            <a:endParaRPr lang="en-US" dirty="0"/>
-          </a:p>
-          <a:p>
-            <a:r>
-              <a:rPr lang="en-US" dirty="0"/>
-              <a:t>A key learning was in producing the idea of using a trained model’s predictions to serve as a feature for another dataset, and in a way chaining different models.</a:t>
-            </a:r>
-          </a:p>
-          <a:p>
-            <a:pPr marL="0" indent="0">
-              <a:buNone/>
-            </a:pPr>
-            <a:endParaRPr lang="en-US" dirty="0"/>
-          </a:p>
-          <a:p>
-            <a:r>
-              <a:rPr lang="en-US" dirty="0"/>
-              <a:t>We also learnt to evaluate different models and strategies at our hands, like figuring out what model would work the best for sentiment classification and tuning the parameters ourselves.</a:t>
-            </a:r>
-          </a:p>
-          <a:p>
-            <a:endParaRPr lang="en-US" dirty="0"/>
-          </a:p>
-        </p:txBody>
-      </p:sp>
+            <a:r>
+              <a:rPr lang="en-US" dirty="0"/>
+              <a:t>Validation curves for stock price </a:t>
+            </a:r>
+            <a:r>
+              <a:rPr lang="en-US" b="1" dirty="0"/>
+              <a:t>movement value </a:t>
+            </a:r>
+            <a:r>
+              <a:rPr lang="en-US" dirty="0"/>
+              <a:t>prediction models (</a:t>
+            </a:r>
+            <a:r>
+              <a:rPr lang="en-US" b="1" dirty="0"/>
+              <a:t>MSE scores</a:t>
+            </a:r>
+            <a:r>
+              <a:rPr lang="en-US" dirty="0"/>
+              <a:t>):</a:t>
+            </a:r>
+          </a:p>
+        </p:txBody>
+      </p:sp>
+      <p:pic>
+        <p:nvPicPr>
+          <p:cNvPr id="5" name="Picture 4">
+            <a:extLst>
+              <a:ext uri="{FF2B5EF4-FFF2-40B4-BE49-F238E27FC236}">
+                <a16:creationId xmlns:a16="http://schemas.microsoft.com/office/drawing/2014/main" id="{C38CD5EF-D1C5-1EA8-2A61-3528EF7CFE26}"/>
+              </a:ext>
+            </a:extLst>
+          </p:cNvPr>
+          <p:cNvPicPr>
+            <a:picLocks noChangeAspect="1"/>
+          </p:cNvPicPr>
+          <p:nvPr/>
+        </p:nvPicPr>
+        <p:blipFill>
+          <a:blip r:embed="rId2"/>
+          <a:stretch>
+            <a:fillRect/>
+          </a:stretch>
+        </p:blipFill>
+        <p:spPr>
+          <a:xfrm>
+            <a:off x="3449266" y="1904999"/>
+            <a:ext cx="3030835" cy="2150915"/>
+          </a:xfrm>
+          <a:prstGeom prst="rect">
+            <a:avLst/>
+          </a:prstGeom>
+        </p:spPr>
+      </p:pic>
+      <p:pic>
+        <p:nvPicPr>
+          <p:cNvPr id="6" name="Picture 5">
+            <a:extLst>
+              <a:ext uri="{FF2B5EF4-FFF2-40B4-BE49-F238E27FC236}">
+                <a16:creationId xmlns:a16="http://schemas.microsoft.com/office/drawing/2014/main" id="{DBB31867-1BDF-A884-A140-79E4FF6FE5CF}"/>
+              </a:ext>
+            </a:extLst>
+          </p:cNvPr>
+          <p:cNvPicPr>
+            <a:picLocks noChangeAspect="1"/>
+          </p:cNvPicPr>
+          <p:nvPr/>
+        </p:nvPicPr>
+        <p:blipFill>
+          <a:blip r:embed="rId3"/>
+          <a:stretch>
+            <a:fillRect/>
+          </a:stretch>
+        </p:blipFill>
+        <p:spPr>
+          <a:xfrm>
+            <a:off x="6891719" y="1904999"/>
+            <a:ext cx="3030834" cy="2116773"/>
+          </a:xfrm>
+          <a:prstGeom prst="rect">
+            <a:avLst/>
+          </a:prstGeom>
+        </p:spPr>
+      </p:pic>
+      <p:pic>
+        <p:nvPicPr>
+          <p:cNvPr id="7" name="Picture 6">
+            <a:extLst>
+              <a:ext uri="{FF2B5EF4-FFF2-40B4-BE49-F238E27FC236}">
+                <a16:creationId xmlns:a16="http://schemas.microsoft.com/office/drawing/2014/main" id="{2321C555-2EA0-10D0-A9B9-9B442861B283}"/>
+              </a:ext>
+            </a:extLst>
+          </p:cNvPr>
+          <p:cNvPicPr>
+            <a:picLocks noChangeAspect="1"/>
+          </p:cNvPicPr>
+          <p:nvPr/>
+        </p:nvPicPr>
+        <p:blipFill>
+          <a:blip r:embed="rId4"/>
+          <a:stretch>
+            <a:fillRect/>
+          </a:stretch>
+        </p:blipFill>
+        <p:spPr>
+          <a:xfrm>
+            <a:off x="3449265" y="4154713"/>
+            <a:ext cx="3030835" cy="2150915"/>
+          </a:xfrm>
+          <a:prstGeom prst="rect">
+            <a:avLst/>
+          </a:prstGeom>
+        </p:spPr>
+      </p:pic>
+      <p:pic>
+        <p:nvPicPr>
+          <p:cNvPr id="8" name="Picture 7">
+            <a:extLst>
+              <a:ext uri="{FF2B5EF4-FFF2-40B4-BE49-F238E27FC236}">
+                <a16:creationId xmlns:a16="http://schemas.microsoft.com/office/drawing/2014/main" id="{189E5958-F61E-A57C-A397-73ABFDEF53A8}"/>
+              </a:ext>
+            </a:extLst>
+          </p:cNvPr>
+          <p:cNvPicPr>
+            <a:picLocks noChangeAspect="1"/>
+          </p:cNvPicPr>
+          <p:nvPr/>
+        </p:nvPicPr>
+        <p:blipFill>
+          <a:blip r:embed="rId5"/>
+          <a:stretch>
+            <a:fillRect/>
+          </a:stretch>
+        </p:blipFill>
+        <p:spPr>
+          <a:xfrm>
+            <a:off x="6952341" y="4154712"/>
+            <a:ext cx="2970211" cy="2074433"/>
+          </a:xfrm>
+          <a:prstGeom prst="rect">
+            <a:avLst/>
+          </a:prstGeom>
+        </p:spPr>
+      </p:pic>
     </p:spTree>
     <p:extLst>
       <p:ext uri="{BB962C8B-B14F-4D97-AF65-F5344CB8AC3E}">
-        <p14:creationId xmlns:p14="http://schemas.microsoft.com/office/powerpoint/2010/main" val="3054810841"/>
+        <p14:creationId xmlns:p14="http://schemas.microsoft.com/office/powerpoint/2010/main" val="198399483"/>
       </p:ext>
     </p:extLst>
   </p:cSld>
@@ -8659,7 +9287,7 @@
           <a:p>
             <a:r>
               <a:rPr lang="en-US" dirty="0"/>
-              <a:t>Conclusion</a:t>
+              <a:t>Results</a:t>
             </a:r>
           </a:p>
         </p:txBody>
@@ -8682,8 +9310,8 @@
         </p:nvSpPr>
         <p:spPr>
           <a:xfrm>
-            <a:off x="2589212" y="1422400"/>
-            <a:ext cx="9089266" cy="4811490"/>
+            <a:off x="2592925" y="1389743"/>
+            <a:ext cx="9323304" cy="798286"/>
           </a:xfrm>
         </p:spPr>
         <p:txBody>
@@ -8697,51 +9325,45 @@
             </a:pPr>
             <a:r>
               <a:rPr lang="en-US" dirty="0"/>
-              <a:t>Despite the task seeming straightforward at first at the time of proposal, in the implementation phase we realized stock movement prediction is super challenging due to the plethora of factors it depends on. Public sentiment is just a tiny factor involved in the movement. Nevertheless, it was an amazing learning experience working on such challenging project over the summers.</a:t>
-            </a:r>
-          </a:p>
-          <a:p>
-            <a:pPr marL="0" indent="0">
-              <a:buNone/>
-            </a:pPr>
-            <a:endParaRPr lang="en-US" dirty="0"/>
-          </a:p>
-          <a:p>
-            <a:r>
-              <a:rPr lang="en-US" dirty="0"/>
-              <a:t>We developed an independent sentiment classification model with a pretty good accuracy (&gt; 0.81).</a:t>
-            </a:r>
-          </a:p>
-          <a:p>
-            <a:pPr marL="0" indent="0">
-              <a:buNone/>
-            </a:pPr>
-            <a:endParaRPr lang="en-US" dirty="0"/>
-          </a:p>
-          <a:p>
-            <a:r>
-              <a:rPr lang="en-US" dirty="0"/>
-              <a:t>We curated large datasets, something we had never done before.</a:t>
-            </a:r>
-          </a:p>
-          <a:p>
-            <a:pPr marL="0" indent="0">
-              <a:buNone/>
-            </a:pPr>
-            <a:endParaRPr lang="en-US" dirty="0"/>
-          </a:p>
-          <a:p>
-            <a:r>
-              <a:rPr lang="en-US" dirty="0"/>
-              <a:t>We built a regression model to finally predict the movement and fed a set of derived attributes to it to maintain a locality context of five days.</a:t>
-            </a:r>
-          </a:p>
-        </p:txBody>
-      </p:sp>
+              <a:t>Correlation of Delta with different attributes:</a:t>
+            </a:r>
+          </a:p>
+        </p:txBody>
+      </p:sp>
+      <p:pic>
+        <p:nvPicPr>
+          <p:cNvPr id="4" name="Picture 3">
+            <a:extLst>
+              <a:ext uri="{FF2B5EF4-FFF2-40B4-BE49-F238E27FC236}">
+                <a16:creationId xmlns:a16="http://schemas.microsoft.com/office/drawing/2014/main" id="{8C7C00A5-B5DB-8DF8-4E00-CB122A5B6848}"/>
+              </a:ext>
+            </a:extLst>
+          </p:cNvPr>
+          <p:cNvPicPr>
+            <a:picLocks noChangeAspect="1"/>
+          </p:cNvPicPr>
+          <p:nvPr/>
+        </p:nvPicPr>
+        <p:blipFill>
+          <a:blip r:embed="rId2"/>
+          <a:stretch>
+            <a:fillRect/>
+          </a:stretch>
+        </p:blipFill>
+        <p:spPr>
+          <a:xfrm>
+            <a:off x="2895600" y="2953662"/>
+            <a:ext cx="8206364" cy="2797624"/>
+          </a:xfrm>
+          <a:prstGeom prst="rect">
+            <a:avLst/>
+          </a:prstGeom>
+        </p:spPr>
+      </p:pic>
     </p:spTree>
     <p:extLst>
       <p:ext uri="{BB962C8B-B14F-4D97-AF65-F5344CB8AC3E}">
-        <p14:creationId xmlns:p14="http://schemas.microsoft.com/office/powerpoint/2010/main" val="1249370279"/>
+        <p14:creationId xmlns:p14="http://schemas.microsoft.com/office/powerpoint/2010/main" val="3025558244"/>
       </p:ext>
     </p:extLst>
   </p:cSld>
@@ -8784,27 +9406,516 @@
             <p:ph type="title"/>
           </p:nvPr>
         </p:nvSpPr>
+        <p:spPr/>
+        <p:txBody>
+          <a:bodyPr/>
+          <a:lstStyle/>
+          <a:p>
+            <a:r>
+              <a:rPr lang="en-US" dirty="0"/>
+              <a:t>Results</a:t>
+            </a:r>
+          </a:p>
+        </p:txBody>
+      </p:sp>
+      <p:sp>
+        <p:nvSpPr>
+          <p:cNvPr id="3" name="Content Placeholder 2">
+            <a:extLst>
+              <a:ext uri="{FF2B5EF4-FFF2-40B4-BE49-F238E27FC236}">
+                <a16:creationId xmlns:a16="http://schemas.microsoft.com/office/drawing/2014/main" id="{7C24BC46-5C81-3DB5-9DAB-6C32E5208E8E}"/>
+              </a:ext>
+            </a:extLst>
+          </p:cNvPr>
+          <p:cNvSpPr>
+            <a:spLocks noGrp="1"/>
+          </p:cNvSpPr>
+          <p:nvPr>
+            <p:ph idx="1"/>
+          </p:nvPr>
+        </p:nvSpPr>
         <p:spPr>
           <a:xfrm>
-            <a:off x="5234526" y="3033481"/>
-            <a:ext cx="2327418" cy="1280890"/>
+            <a:off x="2589212" y="1640114"/>
+            <a:ext cx="9089266" cy="798286"/>
           </a:xfrm>
         </p:spPr>
         <p:txBody>
-          <a:bodyPr/>
+          <a:bodyPr>
+            <a:normAutofit/>
+          </a:bodyPr>
           <a:lstStyle/>
           <a:p>
-            <a:r>
-              <a:rPr lang="en-US" dirty="0"/>
-              <a:t>Q &amp; A</a:t>
-            </a:r>
-          </a:p>
-        </p:txBody>
-      </p:sp>
+            <a:pPr marL="0" indent="0">
+              <a:buNone/>
+            </a:pPr>
+            <a:r>
+              <a:rPr lang="en-US" dirty="0"/>
+              <a:t>For the stock price </a:t>
+            </a:r>
+            <a:r>
+              <a:rPr lang="en-US" b="1" dirty="0"/>
+              <a:t>movement direction </a:t>
+            </a:r>
+            <a:r>
+              <a:rPr lang="en-US" dirty="0"/>
+              <a:t>prediction model, we obtained following test </a:t>
+            </a:r>
+            <a:r>
+              <a:rPr lang="en-US" b="1" dirty="0"/>
+              <a:t>accuracy scores </a:t>
+            </a:r>
+            <a:r>
+              <a:rPr lang="en-US" dirty="0"/>
+              <a:t>across different models:</a:t>
+            </a:r>
+          </a:p>
+          <a:p>
+            <a:endParaRPr lang="en-US" dirty="0"/>
+          </a:p>
+        </p:txBody>
+      </p:sp>
+      <p:graphicFrame>
+        <p:nvGraphicFramePr>
+          <p:cNvPr id="4" name="Table 4">
+            <a:extLst>
+              <a:ext uri="{FF2B5EF4-FFF2-40B4-BE49-F238E27FC236}">
+                <a16:creationId xmlns:a16="http://schemas.microsoft.com/office/drawing/2014/main" id="{08C6B6AD-D035-DC0C-747E-878E79820E2B}"/>
+              </a:ext>
+            </a:extLst>
+          </p:cNvPr>
+          <p:cNvGraphicFramePr>
+            <a:graphicFrameLocks noGrp="1"/>
+          </p:cNvGraphicFramePr>
+          <p:nvPr>
+            <p:extLst>
+              <p:ext uri="{D42A27DB-BD31-4B8C-83A1-F6EECF244321}">
+                <p14:modId xmlns:p14="http://schemas.microsoft.com/office/powerpoint/2010/main" val="1395595386"/>
+              </p:ext>
+            </p:extLst>
+          </p:nvPr>
+        </p:nvGraphicFramePr>
+        <p:xfrm>
+          <a:off x="2415344" y="2921004"/>
+          <a:ext cx="9089268" cy="1285240"/>
+        </p:xfrm>
+        <a:graphic>
+          <a:graphicData uri="http://schemas.openxmlformats.org/drawingml/2006/table">
+            <a:tbl>
+              <a:tblPr firstRow="1" bandRow="1">
+                <a:tableStyleId>{5C22544A-7EE6-4342-B048-85BDC9FD1C3A}</a:tableStyleId>
+              </a:tblPr>
+              <a:tblGrid>
+                <a:gridCol w="1514878">
+                  <a:extLst>
+                    <a:ext uri="{9D8B030D-6E8A-4147-A177-3AD203B41FA5}">
+                      <a16:colId xmlns:a16="http://schemas.microsoft.com/office/drawing/2014/main" val="2536690892"/>
+                    </a:ext>
+                  </a:extLst>
+                </a:gridCol>
+                <a:gridCol w="1514878">
+                  <a:extLst>
+                    <a:ext uri="{9D8B030D-6E8A-4147-A177-3AD203B41FA5}">
+                      <a16:colId xmlns:a16="http://schemas.microsoft.com/office/drawing/2014/main" val="39462357"/>
+                    </a:ext>
+                  </a:extLst>
+                </a:gridCol>
+                <a:gridCol w="1514878">
+                  <a:extLst>
+                    <a:ext uri="{9D8B030D-6E8A-4147-A177-3AD203B41FA5}">
+                      <a16:colId xmlns:a16="http://schemas.microsoft.com/office/drawing/2014/main" val="130300467"/>
+                    </a:ext>
+                  </a:extLst>
+                </a:gridCol>
+                <a:gridCol w="1514878">
+                  <a:extLst>
+                    <a:ext uri="{9D8B030D-6E8A-4147-A177-3AD203B41FA5}">
+                      <a16:colId xmlns:a16="http://schemas.microsoft.com/office/drawing/2014/main" val="4259633600"/>
+                    </a:ext>
+                  </a:extLst>
+                </a:gridCol>
+                <a:gridCol w="1514878">
+                  <a:extLst>
+                    <a:ext uri="{9D8B030D-6E8A-4147-A177-3AD203B41FA5}">
+                      <a16:colId xmlns:a16="http://schemas.microsoft.com/office/drawing/2014/main" val="3657949021"/>
+                    </a:ext>
+                  </a:extLst>
+                </a:gridCol>
+                <a:gridCol w="1514878">
+                  <a:extLst>
+                    <a:ext uri="{9D8B030D-6E8A-4147-A177-3AD203B41FA5}">
+                      <a16:colId xmlns:a16="http://schemas.microsoft.com/office/drawing/2014/main" val="354427809"/>
+                    </a:ext>
+                  </a:extLst>
+                </a:gridCol>
+              </a:tblGrid>
+              <a:tr h="370840">
+                <a:tc>
+                  <a:txBody>
+                    <a:bodyPr/>
+                    <a:lstStyle/>
+                    <a:p>
+                      <a:pPr marL="0" marR="0" lvl="0" indent="0" algn="ctr" defTabSz="457200" rtl="0" eaLnBrk="1" fontAlgn="auto" latinLnBrk="0" hangingPunct="1">
+                        <a:lnSpc>
+                          <a:spcPct val="100000"/>
+                        </a:lnSpc>
+                        <a:spcBef>
+                          <a:spcPts val="0"/>
+                        </a:spcBef>
+                        <a:spcAft>
+                          <a:spcPts val="0"/>
+                        </a:spcAft>
+                        <a:buClrTx/>
+                        <a:buSzTx/>
+                        <a:buFontTx/>
+                        <a:buNone/>
+                        <a:tabLst/>
+                        <a:defRPr/>
+                      </a:pPr>
+                      <a:r>
+                        <a:rPr lang="en-US" sz="1800" b="0" i="0" kern="1200" dirty="0">
+                          <a:solidFill>
+                            <a:schemeClr val="lt1"/>
+                          </a:solidFill>
+                          <a:effectLst/>
+                          <a:latin typeface="+mn-lt"/>
+                          <a:ea typeface="+mn-ea"/>
+                          <a:cs typeface="+mn-cs"/>
+                        </a:rPr>
+                        <a:t>Logistic</a:t>
+                      </a:r>
+                      <a:endParaRPr lang="en-US" sz="1800" b="0" kern="1200" dirty="0">
+                        <a:solidFill>
+                          <a:schemeClr val="lt1"/>
+                        </a:solidFill>
+                        <a:effectLst/>
+                        <a:latin typeface="+mn-lt"/>
+                        <a:ea typeface="+mn-ea"/>
+                        <a:cs typeface="+mn-cs"/>
+                      </a:endParaRPr>
+                    </a:p>
+                    <a:p>
+                      <a:pPr marL="0" marR="0" lvl="0" indent="0" algn="ctr" defTabSz="457200" rtl="0" eaLnBrk="1" fontAlgn="auto" latinLnBrk="0" hangingPunct="1">
+                        <a:lnSpc>
+                          <a:spcPct val="100000"/>
+                        </a:lnSpc>
+                        <a:spcBef>
+                          <a:spcPts val="0"/>
+                        </a:spcBef>
+                        <a:spcAft>
+                          <a:spcPts val="0"/>
+                        </a:spcAft>
+                        <a:buClrTx/>
+                        <a:buSzTx/>
+                        <a:buFontTx/>
+                        <a:buNone/>
+                        <a:tabLst/>
+                        <a:defRPr/>
+                      </a:pPr>
+                      <a:r>
+                        <a:rPr lang="en-US" sz="1800" b="0" kern="1200" dirty="0">
+                          <a:solidFill>
+                            <a:schemeClr val="lt1"/>
+                          </a:solidFill>
+                          <a:effectLst/>
+                          <a:latin typeface="+mn-lt"/>
+                          <a:ea typeface="+mn-ea"/>
+                          <a:cs typeface="+mn-cs"/>
+                        </a:rPr>
+                        <a:t>Regression</a:t>
+                      </a:r>
+                    </a:p>
+                    <a:p>
+                      <a:pPr algn="ctr"/>
+                      <a:endParaRPr lang="en-US" dirty="0"/>
+                    </a:p>
+                  </a:txBody>
+                  <a:tcPr/>
+                </a:tc>
+                <a:tc>
+                  <a:txBody>
+                    <a:bodyPr/>
+                    <a:lstStyle/>
+                    <a:p>
+                      <a:pPr algn="ctr"/>
+                      <a:r>
+                        <a:rPr lang="en-US" sz="1800" b="0" i="0" kern="1200" dirty="0">
+                          <a:solidFill>
+                            <a:schemeClr val="lt1"/>
+                          </a:solidFill>
+                          <a:effectLst/>
+                          <a:latin typeface="+mn-lt"/>
+                          <a:ea typeface="+mn-ea"/>
+                          <a:cs typeface="+mn-cs"/>
+                        </a:rPr>
+                        <a:t>SVM-linear</a:t>
+                      </a:r>
+                      <a:endParaRPr lang="en-US" dirty="0"/>
+                    </a:p>
+                  </a:txBody>
+                  <a:tcPr/>
+                </a:tc>
+                <a:tc>
+                  <a:txBody>
+                    <a:bodyPr/>
+                    <a:lstStyle/>
+                    <a:p>
+                      <a:pPr algn="ctr"/>
+                      <a:r>
+                        <a:rPr lang="en-US" sz="1800" b="0" i="0" kern="1200" dirty="0">
+                          <a:solidFill>
+                            <a:schemeClr val="lt1"/>
+                          </a:solidFill>
+                          <a:effectLst/>
+                          <a:latin typeface="+mn-lt"/>
+                          <a:ea typeface="+mn-ea"/>
+                          <a:cs typeface="+mn-cs"/>
+                        </a:rPr>
+                        <a:t>SVM-poly</a:t>
+                      </a:r>
+                      <a:endParaRPr lang="en-US" dirty="0"/>
+                    </a:p>
+                  </a:txBody>
+                  <a:tcPr/>
+                </a:tc>
+                <a:tc>
+                  <a:txBody>
+                    <a:bodyPr/>
+                    <a:lstStyle/>
+                    <a:p>
+                      <a:pPr algn="ctr"/>
+                      <a:r>
+                        <a:rPr lang="en-US" sz="1800" b="0" i="0" kern="1200" dirty="0">
+                          <a:solidFill>
+                            <a:schemeClr val="lt1"/>
+                          </a:solidFill>
+                          <a:effectLst/>
+                          <a:latin typeface="+mn-lt"/>
+                          <a:ea typeface="+mn-ea"/>
+                          <a:cs typeface="+mn-cs"/>
+                        </a:rPr>
+                        <a:t>SVM-</a:t>
+                      </a:r>
+                      <a:r>
+                        <a:rPr lang="en-US" sz="1800" b="0" i="0" kern="1200" dirty="0" err="1">
+                          <a:solidFill>
+                            <a:schemeClr val="lt1"/>
+                          </a:solidFill>
+                          <a:effectLst/>
+                          <a:latin typeface="+mn-lt"/>
+                          <a:ea typeface="+mn-ea"/>
+                          <a:cs typeface="+mn-cs"/>
+                        </a:rPr>
+                        <a:t>rbf</a:t>
+                      </a:r>
+                      <a:endParaRPr lang="en-US" dirty="0"/>
+                    </a:p>
+                  </a:txBody>
+                  <a:tcPr/>
+                </a:tc>
+                <a:tc>
+                  <a:txBody>
+                    <a:bodyPr/>
+                    <a:lstStyle/>
+                    <a:p>
+                      <a:pPr algn="ctr"/>
+                      <a:r>
+                        <a:rPr lang="en-US" sz="1800" b="0" i="0" kern="1200" dirty="0">
+                          <a:solidFill>
+                            <a:schemeClr val="lt1"/>
+                          </a:solidFill>
+                          <a:effectLst/>
+                          <a:latin typeface="+mn-lt"/>
+                          <a:ea typeface="+mn-ea"/>
+                          <a:cs typeface="+mn-cs"/>
+                        </a:rPr>
+                        <a:t>SVM-sigmoid</a:t>
+                      </a:r>
+                      <a:endParaRPr lang="en-US" dirty="0"/>
+                    </a:p>
+                  </a:txBody>
+                  <a:tcPr/>
+                </a:tc>
+                <a:tc>
+                  <a:txBody>
+                    <a:bodyPr/>
+                    <a:lstStyle/>
+                    <a:p>
+                      <a:pPr algn="ctr"/>
+                      <a:r>
+                        <a:rPr lang="en-US" b="0" dirty="0"/>
+                        <a:t>KNN</a:t>
+                      </a:r>
+                    </a:p>
+                    <a:p>
+                      <a:pPr algn="ctr"/>
+                      <a:r>
+                        <a:rPr lang="en-US" b="0" dirty="0"/>
+                        <a:t>Classifier</a:t>
+                      </a:r>
+                    </a:p>
+                  </a:txBody>
+                  <a:tcPr/>
+                </a:tc>
+                <a:extLst>
+                  <a:ext uri="{0D108BD9-81ED-4DB2-BD59-A6C34878D82A}">
+                    <a16:rowId xmlns:a16="http://schemas.microsoft.com/office/drawing/2014/main" val="1293873405"/>
+                  </a:ext>
+                </a:extLst>
+              </a:tr>
+              <a:tr h="370840">
+                <a:tc>
+                  <a:txBody>
+                    <a:bodyPr/>
+                    <a:lstStyle/>
+                    <a:p>
+                      <a:pPr algn="ctr"/>
+                      <a:r>
+                        <a:rPr lang="en-US" sz="1800" b="0" i="0" kern="1200" dirty="0">
+                          <a:solidFill>
+                            <a:schemeClr val="dk1"/>
+                          </a:solidFill>
+                          <a:effectLst/>
+                          <a:latin typeface="+mn-lt"/>
+                          <a:ea typeface="+mn-ea"/>
+                          <a:cs typeface="+mn-cs"/>
+                        </a:rPr>
+                        <a:t>0.96</a:t>
+                      </a:r>
+                      <a:endParaRPr lang="en-US" dirty="0"/>
+                    </a:p>
+                  </a:txBody>
+                  <a:tcPr/>
+                </a:tc>
+                <a:tc>
+                  <a:txBody>
+                    <a:bodyPr/>
+                    <a:lstStyle/>
+                    <a:p>
+                      <a:pPr algn="ctr"/>
+                      <a:r>
+                        <a:rPr lang="en-US" sz="1800" b="0" i="0" kern="1200" dirty="0">
+                          <a:solidFill>
+                            <a:schemeClr val="dk1"/>
+                          </a:solidFill>
+                          <a:effectLst/>
+                          <a:latin typeface="+mn-lt"/>
+                          <a:ea typeface="+mn-ea"/>
+                          <a:cs typeface="+mn-cs"/>
+                        </a:rPr>
+                        <a:t>0.97</a:t>
+                      </a:r>
+                      <a:endParaRPr lang="en-US" dirty="0"/>
+                    </a:p>
+                  </a:txBody>
+                  <a:tcPr/>
+                </a:tc>
+                <a:tc>
+                  <a:txBody>
+                    <a:bodyPr/>
+                    <a:lstStyle/>
+                    <a:p>
+                      <a:pPr algn="ctr"/>
+                      <a:r>
+                        <a:rPr lang="en-US" sz="1800" b="0" i="0" kern="1200" dirty="0">
+                          <a:solidFill>
+                            <a:schemeClr val="dk1"/>
+                          </a:solidFill>
+                          <a:effectLst/>
+                          <a:latin typeface="+mn-lt"/>
+                          <a:ea typeface="+mn-ea"/>
+                          <a:cs typeface="+mn-cs"/>
+                        </a:rPr>
+                        <a:t>0.99</a:t>
+                      </a:r>
+                      <a:endParaRPr lang="en-US" dirty="0"/>
+                    </a:p>
+                  </a:txBody>
+                  <a:tcPr/>
+                </a:tc>
+                <a:tc>
+                  <a:txBody>
+                    <a:bodyPr/>
+                    <a:lstStyle/>
+                    <a:p>
+                      <a:pPr algn="ctr"/>
+                      <a:r>
+                        <a:rPr lang="en-US" sz="1800" b="0" i="0" kern="1200" dirty="0">
+                          <a:solidFill>
+                            <a:schemeClr val="dk1"/>
+                          </a:solidFill>
+                          <a:effectLst/>
+                          <a:latin typeface="+mn-lt"/>
+                          <a:ea typeface="+mn-ea"/>
+                          <a:cs typeface="+mn-cs"/>
+                        </a:rPr>
+                        <a:t>0.98</a:t>
+                      </a:r>
+                      <a:endParaRPr lang="en-US" dirty="0"/>
+                    </a:p>
+                  </a:txBody>
+                  <a:tcPr/>
+                </a:tc>
+                <a:tc>
+                  <a:txBody>
+                    <a:bodyPr/>
+                    <a:lstStyle/>
+                    <a:p>
+                      <a:pPr algn="ctr"/>
+                      <a:r>
+                        <a:rPr lang="en-US" sz="1800" b="0" i="0" kern="1200" dirty="0">
+                          <a:solidFill>
+                            <a:schemeClr val="dk1"/>
+                          </a:solidFill>
+                          <a:effectLst/>
+                          <a:latin typeface="+mn-lt"/>
+                          <a:ea typeface="+mn-ea"/>
+                          <a:cs typeface="+mn-cs"/>
+                        </a:rPr>
+                        <a:t>0.50</a:t>
+                      </a:r>
+                      <a:endParaRPr lang="en-US" dirty="0"/>
+                    </a:p>
+                  </a:txBody>
+                  <a:tcPr/>
+                </a:tc>
+                <a:tc>
+                  <a:txBody>
+                    <a:bodyPr/>
+                    <a:lstStyle/>
+                    <a:p>
+                      <a:pPr algn="ctr"/>
+                      <a:r>
+                        <a:rPr lang="en-US" sz="1800" b="0" i="0" kern="1200" dirty="0">
+                          <a:solidFill>
+                            <a:schemeClr val="dk1"/>
+                          </a:solidFill>
+                          <a:effectLst/>
+                          <a:latin typeface="+mn-lt"/>
+                          <a:ea typeface="+mn-ea"/>
+                          <a:cs typeface="+mn-cs"/>
+                        </a:rPr>
+                        <a:t>0.94</a:t>
+                      </a:r>
+                      <a:endParaRPr lang="en-US" dirty="0"/>
+                    </a:p>
+                  </a:txBody>
+                  <a:tcPr/>
+                </a:tc>
+                <a:extLst>
+                  <a:ext uri="{0D108BD9-81ED-4DB2-BD59-A6C34878D82A}">
+                    <a16:rowId xmlns:a16="http://schemas.microsoft.com/office/drawing/2014/main" val="26603059"/>
+                  </a:ext>
+                </a:extLst>
+              </a:tr>
+            </a:tbl>
+          </a:graphicData>
+        </a:graphic>
+      </p:graphicFrame>
     </p:spTree>
     <p:extLst>
       <p:ext uri="{BB962C8B-B14F-4D97-AF65-F5344CB8AC3E}">
-        <p14:creationId xmlns:p14="http://schemas.microsoft.com/office/powerpoint/2010/main" val="2439685989"/>
+        <p14:creationId xmlns:p14="http://schemas.microsoft.com/office/powerpoint/2010/main" val="2151440766"/>
       </p:ext>
     </p:extLst>
   </p:cSld>
@@ -8847,27 +9958,541 @@
             <p:ph type="title"/>
           </p:nvPr>
         </p:nvSpPr>
+        <p:spPr/>
+        <p:txBody>
+          <a:bodyPr/>
+          <a:lstStyle/>
+          <a:p>
+            <a:r>
+              <a:rPr lang="en-US" dirty="0"/>
+              <a:t>Results</a:t>
+            </a:r>
+          </a:p>
+        </p:txBody>
+      </p:sp>
+      <p:sp>
+        <p:nvSpPr>
+          <p:cNvPr id="3" name="Content Placeholder 2">
+            <a:extLst>
+              <a:ext uri="{FF2B5EF4-FFF2-40B4-BE49-F238E27FC236}">
+                <a16:creationId xmlns:a16="http://schemas.microsoft.com/office/drawing/2014/main" id="{7C24BC46-5C81-3DB5-9DAB-6C32E5208E8E}"/>
+              </a:ext>
+            </a:extLst>
+          </p:cNvPr>
+          <p:cNvSpPr>
+            <a:spLocks noGrp="1"/>
+          </p:cNvSpPr>
+          <p:nvPr>
+            <p:ph idx="1"/>
+          </p:nvPr>
+        </p:nvSpPr>
         <p:spPr>
           <a:xfrm>
-            <a:off x="4871669" y="2931881"/>
-            <a:ext cx="2777360" cy="1280890"/>
+            <a:off x="2530704" y="1389743"/>
+            <a:ext cx="9646782" cy="798286"/>
           </a:xfrm>
         </p:spPr>
         <p:txBody>
-          <a:bodyPr/>
+          <a:bodyPr>
+            <a:normAutofit/>
+          </a:bodyPr>
           <a:lstStyle/>
           <a:p>
-            <a:r>
-              <a:rPr lang="en-US" dirty="0"/>
-              <a:t>Thank You!</a:t>
-            </a:r>
-          </a:p>
-        </p:txBody>
-      </p:sp>
+            <a:pPr marL="0" indent="0">
+              <a:buNone/>
+            </a:pPr>
+            <a:r>
+              <a:rPr lang="en-US" dirty="0"/>
+              <a:t>Validation curves for stock price </a:t>
+            </a:r>
+            <a:r>
+              <a:rPr lang="en-US" b="1" dirty="0"/>
+              <a:t>movement direction </a:t>
+            </a:r>
+            <a:r>
+              <a:rPr lang="en-US" dirty="0"/>
+              <a:t>prediction models (</a:t>
+            </a:r>
+            <a:r>
+              <a:rPr lang="en-US" b="1" dirty="0"/>
+              <a:t>acc scores</a:t>
+            </a:r>
+            <a:r>
+              <a:rPr lang="en-US" dirty="0"/>
+              <a:t>):</a:t>
+            </a:r>
+          </a:p>
+        </p:txBody>
+      </p:sp>
+      <p:pic>
+        <p:nvPicPr>
+          <p:cNvPr id="4" name="Picture 3">
+            <a:extLst>
+              <a:ext uri="{FF2B5EF4-FFF2-40B4-BE49-F238E27FC236}">
+                <a16:creationId xmlns:a16="http://schemas.microsoft.com/office/drawing/2014/main" id="{C9E60838-D3ED-8D8F-EB23-76D47D6F9E5A}"/>
+              </a:ext>
+            </a:extLst>
+          </p:cNvPr>
+          <p:cNvPicPr>
+            <a:picLocks noChangeAspect="1"/>
+          </p:cNvPicPr>
+          <p:nvPr/>
+        </p:nvPicPr>
+        <p:blipFill>
+          <a:blip r:embed="rId2"/>
+          <a:stretch>
+            <a:fillRect/>
+          </a:stretch>
+        </p:blipFill>
+        <p:spPr>
+          <a:xfrm>
+            <a:off x="2387116" y="1752600"/>
+            <a:ext cx="3134094" cy="2224196"/>
+          </a:xfrm>
+          <a:prstGeom prst="rect">
+            <a:avLst/>
+          </a:prstGeom>
+        </p:spPr>
+      </p:pic>
+      <p:pic>
+        <p:nvPicPr>
+          <p:cNvPr id="9" name="Picture 8">
+            <a:extLst>
+              <a:ext uri="{FF2B5EF4-FFF2-40B4-BE49-F238E27FC236}">
+                <a16:creationId xmlns:a16="http://schemas.microsoft.com/office/drawing/2014/main" id="{BAE07970-49E9-C793-3A00-F6F823AE5F19}"/>
+              </a:ext>
+            </a:extLst>
+          </p:cNvPr>
+          <p:cNvPicPr>
+            <a:picLocks noChangeAspect="1"/>
+          </p:cNvPicPr>
+          <p:nvPr/>
+        </p:nvPicPr>
+        <p:blipFill>
+          <a:blip r:embed="rId3"/>
+          <a:stretch>
+            <a:fillRect/>
+          </a:stretch>
+        </p:blipFill>
+        <p:spPr>
+          <a:xfrm>
+            <a:off x="5638879" y="1752600"/>
+            <a:ext cx="3134094" cy="2224196"/>
+          </a:xfrm>
+          <a:prstGeom prst="rect">
+            <a:avLst/>
+          </a:prstGeom>
+        </p:spPr>
+      </p:pic>
+      <p:pic>
+        <p:nvPicPr>
+          <p:cNvPr id="10" name="Picture 9">
+            <a:extLst>
+              <a:ext uri="{FF2B5EF4-FFF2-40B4-BE49-F238E27FC236}">
+                <a16:creationId xmlns:a16="http://schemas.microsoft.com/office/drawing/2014/main" id="{22A3FEB5-6D05-490D-6070-5C21B61BC545}"/>
+              </a:ext>
+            </a:extLst>
+          </p:cNvPr>
+          <p:cNvPicPr>
+            <a:picLocks noChangeAspect="1"/>
+          </p:cNvPicPr>
+          <p:nvPr/>
+        </p:nvPicPr>
+        <p:blipFill>
+          <a:blip r:embed="rId4"/>
+          <a:stretch>
+            <a:fillRect/>
+          </a:stretch>
+        </p:blipFill>
+        <p:spPr>
+          <a:xfrm>
+            <a:off x="8890641" y="1788886"/>
+            <a:ext cx="3132689" cy="2187910"/>
+          </a:xfrm>
+          <a:prstGeom prst="rect">
+            <a:avLst/>
+          </a:prstGeom>
+        </p:spPr>
+      </p:pic>
+      <p:pic>
+        <p:nvPicPr>
+          <p:cNvPr id="11" name="Picture 10">
+            <a:extLst>
+              <a:ext uri="{FF2B5EF4-FFF2-40B4-BE49-F238E27FC236}">
+                <a16:creationId xmlns:a16="http://schemas.microsoft.com/office/drawing/2014/main" id="{7290E4D7-8F89-8C59-2A2D-5D742D217E30}"/>
+              </a:ext>
+            </a:extLst>
+          </p:cNvPr>
+          <p:cNvPicPr>
+            <a:picLocks noChangeAspect="1"/>
+          </p:cNvPicPr>
+          <p:nvPr/>
+        </p:nvPicPr>
+        <p:blipFill>
+          <a:blip r:embed="rId5"/>
+          <a:stretch>
+            <a:fillRect/>
+          </a:stretch>
+        </p:blipFill>
+        <p:spPr>
+          <a:xfrm>
+            <a:off x="4172374" y="3976795"/>
+            <a:ext cx="3132689" cy="2153723"/>
+          </a:xfrm>
+          <a:prstGeom prst="rect">
+            <a:avLst/>
+          </a:prstGeom>
+        </p:spPr>
+      </p:pic>
+      <p:pic>
+        <p:nvPicPr>
+          <p:cNvPr id="12" name="Picture 11">
+            <a:extLst>
+              <a:ext uri="{FF2B5EF4-FFF2-40B4-BE49-F238E27FC236}">
+                <a16:creationId xmlns:a16="http://schemas.microsoft.com/office/drawing/2014/main" id="{ECC141BF-227A-6692-955E-706D1E007F4A}"/>
+              </a:ext>
+            </a:extLst>
+          </p:cNvPr>
+          <p:cNvPicPr>
+            <a:picLocks noChangeAspect="1"/>
+          </p:cNvPicPr>
+          <p:nvPr/>
+        </p:nvPicPr>
+        <p:blipFill>
+          <a:blip r:embed="rId6"/>
+          <a:stretch>
+            <a:fillRect/>
+          </a:stretch>
+        </p:blipFill>
+        <p:spPr>
+          <a:xfrm>
+            <a:off x="7422730" y="3976795"/>
+            <a:ext cx="3132689" cy="2153724"/>
+          </a:xfrm>
+          <a:prstGeom prst="rect">
+            <a:avLst/>
+          </a:prstGeom>
+        </p:spPr>
+      </p:pic>
     </p:spTree>
     <p:extLst>
       <p:ext uri="{BB962C8B-B14F-4D97-AF65-F5344CB8AC3E}">
-        <p14:creationId xmlns:p14="http://schemas.microsoft.com/office/powerpoint/2010/main" val="3191215045"/>
+        <p14:creationId xmlns:p14="http://schemas.microsoft.com/office/powerpoint/2010/main" val="1136571439"/>
+      </p:ext>
+    </p:extLst>
+  </p:cSld>
+  <p:clrMapOvr>
+    <a:masterClrMapping/>
+  </p:clrMapOvr>
+</p:sld>
+</file>
+
+<file path=ppt/slides/slide17.xml><?xml version="1.0" encoding="utf-8"?>
+<p:sld xmlns:a="http://schemas.openxmlformats.org/drawingml/2006/main" xmlns:r="http://schemas.openxmlformats.org/officeDocument/2006/relationships" xmlns:p="http://schemas.openxmlformats.org/presentationml/2006/main">
+  <p:cSld>
+    <p:spTree>
+      <p:nvGrpSpPr>
+        <p:cNvPr id="1" name=""/>
+        <p:cNvGrpSpPr/>
+        <p:nvPr/>
+      </p:nvGrpSpPr>
+      <p:grpSpPr>
+        <a:xfrm>
+          <a:off x="0" y="0"/>
+          <a:ext cx="0" cy="0"/>
+          <a:chOff x="0" y="0"/>
+          <a:chExt cx="0" cy="0"/>
+        </a:xfrm>
+      </p:grpSpPr>
+      <p:sp>
+        <p:nvSpPr>
+          <p:cNvPr id="2" name="Title 1">
+            <a:extLst>
+              <a:ext uri="{FF2B5EF4-FFF2-40B4-BE49-F238E27FC236}">
+                <a16:creationId xmlns:a16="http://schemas.microsoft.com/office/drawing/2014/main" id="{7560AB1B-04A3-D111-1921-EC487AED4968}"/>
+              </a:ext>
+            </a:extLst>
+          </p:cNvPr>
+          <p:cNvSpPr>
+            <a:spLocks noGrp="1"/>
+          </p:cNvSpPr>
+          <p:nvPr>
+            <p:ph type="title"/>
+          </p:nvPr>
+        </p:nvSpPr>
+        <p:spPr/>
+        <p:txBody>
+          <a:bodyPr/>
+          <a:lstStyle/>
+          <a:p>
+            <a:r>
+              <a:rPr lang="en-US" dirty="0"/>
+              <a:t>Learnings and Challenges</a:t>
+            </a:r>
+          </a:p>
+        </p:txBody>
+      </p:sp>
+      <p:sp>
+        <p:nvSpPr>
+          <p:cNvPr id="3" name="Content Placeholder 2">
+            <a:extLst>
+              <a:ext uri="{FF2B5EF4-FFF2-40B4-BE49-F238E27FC236}">
+                <a16:creationId xmlns:a16="http://schemas.microsoft.com/office/drawing/2014/main" id="{7C24BC46-5C81-3DB5-9DAB-6C32E5208E8E}"/>
+              </a:ext>
+            </a:extLst>
+          </p:cNvPr>
+          <p:cNvSpPr>
+            <a:spLocks noGrp="1"/>
+          </p:cNvSpPr>
+          <p:nvPr>
+            <p:ph idx="1"/>
+          </p:nvPr>
+        </p:nvSpPr>
+        <p:spPr>
+          <a:xfrm>
+            <a:off x="2589212" y="1640114"/>
+            <a:ext cx="9089266" cy="4593776"/>
+          </a:xfrm>
+        </p:spPr>
+        <p:txBody>
+          <a:bodyPr>
+            <a:normAutofit/>
+          </a:bodyPr>
+          <a:lstStyle/>
+          <a:p>
+            <a:r>
+              <a:rPr lang="en-US" dirty="0"/>
+              <a:t>The curation of datasets was the biggest challenge. As no end-to-end dataset for our use case existed in the wild, we had to spend a lot of time cleaning and pruning datasets to satisfy our needs. This helped us learn how to build our own datasets for the task at our hands.</a:t>
+            </a:r>
+          </a:p>
+          <a:p>
+            <a:pPr marL="0" indent="0">
+              <a:buNone/>
+            </a:pPr>
+            <a:endParaRPr lang="en-US" dirty="0"/>
+          </a:p>
+          <a:p>
+            <a:r>
+              <a:rPr lang="en-US" dirty="0"/>
+              <a:t>A key learning was in producing the idea of using a trained model’s predictions to serve as a feature for another dataset, and in a way chaining different models.</a:t>
+            </a:r>
+          </a:p>
+          <a:p>
+            <a:pPr marL="0" indent="0">
+              <a:buNone/>
+            </a:pPr>
+            <a:endParaRPr lang="en-US" dirty="0"/>
+          </a:p>
+          <a:p>
+            <a:r>
+              <a:rPr lang="en-US" dirty="0"/>
+              <a:t>We also learnt to evaluate different models and strategies at our hands, like figuring out what model would work the best for sentiment classification and tuning the parameters ourselves.</a:t>
+            </a:r>
+          </a:p>
+          <a:p>
+            <a:endParaRPr lang="en-US" dirty="0"/>
+          </a:p>
+        </p:txBody>
+      </p:sp>
+    </p:spTree>
+    <p:extLst>
+      <p:ext uri="{BB962C8B-B14F-4D97-AF65-F5344CB8AC3E}">
+        <p14:creationId xmlns:p14="http://schemas.microsoft.com/office/powerpoint/2010/main" val="3054810841"/>
+      </p:ext>
+    </p:extLst>
+  </p:cSld>
+  <p:clrMapOvr>
+    <a:masterClrMapping/>
+  </p:clrMapOvr>
+</p:sld>
+</file>
+
+<file path=ppt/slides/slide18.xml><?xml version="1.0" encoding="utf-8"?>
+<p:sld xmlns:a="http://schemas.openxmlformats.org/drawingml/2006/main" xmlns:r="http://schemas.openxmlformats.org/officeDocument/2006/relationships" xmlns:p="http://schemas.openxmlformats.org/presentationml/2006/main">
+  <p:cSld>
+    <p:spTree>
+      <p:nvGrpSpPr>
+        <p:cNvPr id="1" name=""/>
+        <p:cNvGrpSpPr/>
+        <p:nvPr/>
+      </p:nvGrpSpPr>
+      <p:grpSpPr>
+        <a:xfrm>
+          <a:off x="0" y="0"/>
+          <a:ext cx="0" cy="0"/>
+          <a:chOff x="0" y="0"/>
+          <a:chExt cx="0" cy="0"/>
+        </a:xfrm>
+      </p:grpSpPr>
+      <p:sp>
+        <p:nvSpPr>
+          <p:cNvPr id="2" name="Title 1">
+            <a:extLst>
+              <a:ext uri="{FF2B5EF4-FFF2-40B4-BE49-F238E27FC236}">
+                <a16:creationId xmlns:a16="http://schemas.microsoft.com/office/drawing/2014/main" id="{7560AB1B-04A3-D111-1921-EC487AED4968}"/>
+              </a:ext>
+            </a:extLst>
+          </p:cNvPr>
+          <p:cNvSpPr>
+            <a:spLocks noGrp="1"/>
+          </p:cNvSpPr>
+          <p:nvPr>
+            <p:ph type="title"/>
+          </p:nvPr>
+        </p:nvSpPr>
+        <p:spPr/>
+        <p:txBody>
+          <a:bodyPr/>
+          <a:lstStyle/>
+          <a:p>
+            <a:r>
+              <a:rPr lang="en-US" dirty="0"/>
+              <a:t>Conclusion</a:t>
+            </a:r>
+          </a:p>
+        </p:txBody>
+      </p:sp>
+      <p:sp>
+        <p:nvSpPr>
+          <p:cNvPr id="3" name="Content Placeholder 2">
+            <a:extLst>
+              <a:ext uri="{FF2B5EF4-FFF2-40B4-BE49-F238E27FC236}">
+                <a16:creationId xmlns:a16="http://schemas.microsoft.com/office/drawing/2014/main" id="{7C24BC46-5C81-3DB5-9DAB-6C32E5208E8E}"/>
+              </a:ext>
+            </a:extLst>
+          </p:cNvPr>
+          <p:cNvSpPr>
+            <a:spLocks noGrp="1"/>
+          </p:cNvSpPr>
+          <p:nvPr>
+            <p:ph idx="1"/>
+          </p:nvPr>
+        </p:nvSpPr>
+        <p:spPr>
+          <a:xfrm>
+            <a:off x="2589212" y="1422400"/>
+            <a:ext cx="9089266" cy="4811490"/>
+          </a:xfrm>
+        </p:spPr>
+        <p:txBody>
+          <a:bodyPr>
+            <a:normAutofit/>
+          </a:bodyPr>
+          <a:lstStyle/>
+          <a:p>
+            <a:pPr marL="0" indent="0">
+              <a:buNone/>
+            </a:pPr>
+            <a:r>
+              <a:rPr lang="en-US" dirty="0"/>
+              <a:t>Despite the task seeming straightforward at first at the time of proposal, in the implementation phase we realized stock movement prediction is super challenging due to the plethora of factors it depends on. Public sentiment is just a tiny factor involved in the movement. Nevertheless, it was an amazing learning experience working on such challenging project over the summers.</a:t>
+            </a:r>
+          </a:p>
+          <a:p>
+            <a:pPr marL="0" indent="0">
+              <a:buNone/>
+            </a:pPr>
+            <a:endParaRPr lang="en-US" dirty="0"/>
+          </a:p>
+          <a:p>
+            <a:r>
+              <a:rPr lang="en-US" dirty="0"/>
+              <a:t>We developed an independent sentiment classification model with a pretty good accuracy (~ 0.8).</a:t>
+            </a:r>
+          </a:p>
+          <a:p>
+            <a:pPr marL="0" indent="0">
+              <a:buNone/>
+            </a:pPr>
+            <a:endParaRPr lang="en-US" dirty="0"/>
+          </a:p>
+          <a:p>
+            <a:r>
+              <a:rPr lang="en-US" dirty="0"/>
+              <a:t>We curated large datasets, something we had never done before.</a:t>
+            </a:r>
+          </a:p>
+          <a:p>
+            <a:pPr marL="0" indent="0">
+              <a:buNone/>
+            </a:pPr>
+            <a:endParaRPr lang="en-US" dirty="0"/>
+          </a:p>
+          <a:p>
+            <a:r>
+              <a:rPr lang="en-US" dirty="0"/>
+              <a:t>We built a various models to finally predict the movement and fed a set of derived attributes to it to maintain a locality context of five days. We achieved a good accuracy in movement direction prediction.</a:t>
+            </a:r>
+          </a:p>
+        </p:txBody>
+      </p:sp>
+    </p:spTree>
+    <p:extLst>
+      <p:ext uri="{BB962C8B-B14F-4D97-AF65-F5344CB8AC3E}">
+        <p14:creationId xmlns:p14="http://schemas.microsoft.com/office/powerpoint/2010/main" val="1249370279"/>
+      </p:ext>
+    </p:extLst>
+  </p:cSld>
+  <p:clrMapOvr>
+    <a:masterClrMapping/>
+  </p:clrMapOvr>
+</p:sld>
+</file>
+
+<file path=ppt/slides/slide19.xml><?xml version="1.0" encoding="utf-8"?>
+<p:sld xmlns:a="http://schemas.openxmlformats.org/drawingml/2006/main" xmlns:r="http://schemas.openxmlformats.org/officeDocument/2006/relationships" xmlns:p="http://schemas.openxmlformats.org/presentationml/2006/main">
+  <p:cSld>
+    <p:spTree>
+      <p:nvGrpSpPr>
+        <p:cNvPr id="1" name=""/>
+        <p:cNvGrpSpPr/>
+        <p:nvPr/>
+      </p:nvGrpSpPr>
+      <p:grpSpPr>
+        <a:xfrm>
+          <a:off x="0" y="0"/>
+          <a:ext cx="0" cy="0"/>
+          <a:chOff x="0" y="0"/>
+          <a:chExt cx="0" cy="0"/>
+        </a:xfrm>
+      </p:grpSpPr>
+      <p:sp>
+        <p:nvSpPr>
+          <p:cNvPr id="2" name="Title 1">
+            <a:extLst>
+              <a:ext uri="{FF2B5EF4-FFF2-40B4-BE49-F238E27FC236}">
+                <a16:creationId xmlns:a16="http://schemas.microsoft.com/office/drawing/2014/main" id="{7560AB1B-04A3-D111-1921-EC487AED4968}"/>
+              </a:ext>
+            </a:extLst>
+          </p:cNvPr>
+          <p:cNvSpPr>
+            <a:spLocks noGrp="1"/>
+          </p:cNvSpPr>
+          <p:nvPr>
+            <p:ph type="title"/>
+          </p:nvPr>
+        </p:nvSpPr>
+        <p:spPr>
+          <a:xfrm>
+            <a:off x="5234526" y="3033481"/>
+            <a:ext cx="2327418" cy="1280890"/>
+          </a:xfrm>
+        </p:spPr>
+        <p:txBody>
+          <a:bodyPr/>
+          <a:lstStyle/>
+          <a:p>
+            <a:r>
+              <a:rPr lang="en-US" dirty="0"/>
+              <a:t>Q &amp; A</a:t>
+            </a:r>
+          </a:p>
+        </p:txBody>
+      </p:sp>
+    </p:spTree>
+    <p:extLst>
+      <p:ext uri="{BB962C8B-B14F-4D97-AF65-F5344CB8AC3E}">
+        <p14:creationId xmlns:p14="http://schemas.microsoft.com/office/powerpoint/2010/main" val="2439685989"/>
       </p:ext>
     </p:extLst>
   </p:cSld>
@@ -8999,6 +10624,69 @@
     <p:extLst>
       <p:ext uri="{BB962C8B-B14F-4D97-AF65-F5344CB8AC3E}">
         <p14:creationId xmlns:p14="http://schemas.microsoft.com/office/powerpoint/2010/main" val="136004250"/>
+      </p:ext>
+    </p:extLst>
+  </p:cSld>
+  <p:clrMapOvr>
+    <a:masterClrMapping/>
+  </p:clrMapOvr>
+</p:sld>
+</file>
+
+<file path=ppt/slides/slide20.xml><?xml version="1.0" encoding="utf-8"?>
+<p:sld xmlns:a="http://schemas.openxmlformats.org/drawingml/2006/main" xmlns:r="http://schemas.openxmlformats.org/officeDocument/2006/relationships" xmlns:p="http://schemas.openxmlformats.org/presentationml/2006/main">
+  <p:cSld>
+    <p:spTree>
+      <p:nvGrpSpPr>
+        <p:cNvPr id="1" name=""/>
+        <p:cNvGrpSpPr/>
+        <p:nvPr/>
+      </p:nvGrpSpPr>
+      <p:grpSpPr>
+        <a:xfrm>
+          <a:off x="0" y="0"/>
+          <a:ext cx="0" cy="0"/>
+          <a:chOff x="0" y="0"/>
+          <a:chExt cx="0" cy="0"/>
+        </a:xfrm>
+      </p:grpSpPr>
+      <p:sp>
+        <p:nvSpPr>
+          <p:cNvPr id="2" name="Title 1">
+            <a:extLst>
+              <a:ext uri="{FF2B5EF4-FFF2-40B4-BE49-F238E27FC236}">
+                <a16:creationId xmlns:a16="http://schemas.microsoft.com/office/drawing/2014/main" id="{7560AB1B-04A3-D111-1921-EC487AED4968}"/>
+              </a:ext>
+            </a:extLst>
+          </p:cNvPr>
+          <p:cNvSpPr>
+            <a:spLocks noGrp="1"/>
+          </p:cNvSpPr>
+          <p:nvPr>
+            <p:ph type="title"/>
+          </p:nvPr>
+        </p:nvSpPr>
+        <p:spPr>
+          <a:xfrm>
+            <a:off x="4871669" y="2931881"/>
+            <a:ext cx="2777360" cy="1280890"/>
+          </a:xfrm>
+        </p:spPr>
+        <p:txBody>
+          <a:bodyPr/>
+          <a:lstStyle/>
+          <a:p>
+            <a:r>
+              <a:rPr lang="en-US" dirty="0"/>
+              <a:t>Thank You!</a:t>
+            </a:r>
+          </a:p>
+        </p:txBody>
+      </p:sp>
+    </p:spTree>
+    <p:extLst>
+      <p:ext uri="{BB962C8B-B14F-4D97-AF65-F5344CB8AC3E}">
+        <p14:creationId xmlns:p14="http://schemas.microsoft.com/office/powerpoint/2010/main" val="3191215045"/>
       </p:ext>
     </p:extLst>
   </p:cSld>
@@ -9742,11 +11430,27 @@
           <a:p>
             <a:r>
               <a:rPr lang="en-US" dirty="0"/>
-              <a:t>Finally, for the label for that example we add the attribute </a:t>
+              <a:t>Finally, for the label for that example we use the attribute </a:t>
             </a:r>
             <a:r>
               <a:rPr lang="en-US" i="1" dirty="0"/>
-              <a:t>movement </a:t>
+              <a:t>momentum </a:t>
+            </a:r>
+            <a:r>
+              <a:rPr lang="en-US" dirty="0"/>
+              <a:t>(for movement prediction) and </a:t>
+            </a:r>
+            <a:r>
+              <a:rPr lang="en-US" i="1" dirty="0"/>
+              <a:t>delta </a:t>
+            </a:r>
+            <a:r>
+              <a:rPr lang="en-US" dirty="0"/>
+              <a:t>(for value prediction)</a:t>
+            </a:r>
+            <a:r>
+              <a:rPr lang="en-US" i="1" dirty="0"/>
+              <a:t> </a:t>
             </a:r>
             <a:r>
               <a:rPr lang="en-US" dirty="0"/>
@@ -9835,7 +11539,7 @@
         <p:spPr>
           <a:xfrm>
             <a:off x="2589212" y="1543050"/>
-            <a:ext cx="9089266" cy="4368172"/>
+            <a:ext cx="9089266" cy="4690840"/>
           </a:xfrm>
         </p:spPr>
         <p:txBody>
@@ -9849,16 +11553,110 @@
             </a:pPr>
             <a:r>
               <a:rPr lang="en-US" dirty="0"/>
-              <a:t>After we’re ready with the dataset, we built a regression model taking as input the derived attributes.</a:t>
+              <a:t>After we’re ready with the dataset, we built separate models to predict the:</a:t>
             </a:r>
           </a:p>
           <a:p>
             <a:pPr marL="0" indent="0">
               <a:buNone/>
             </a:pPr>
-            <a:r>
-              <a:rPr lang="en-US" dirty="0"/>
-              <a:t>Traditional approaches use time-series models such as LSTMs, or regression over just the stock prices over a long range. We wanted to try a new approach of doing regression over inputs that contain some local context information (from past five datapoints).</a:t>
+            <a:endParaRPr lang="en-US" dirty="0"/>
+          </a:p>
+          <a:p>
+            <a:r>
+              <a:rPr lang="en-US" b="1" dirty="0"/>
+              <a:t>Magnitude</a:t>
+            </a:r>
+            <a:r>
+              <a:rPr lang="en-US" dirty="0"/>
+              <a:t> of movement on stock prices using a </a:t>
+            </a:r>
+            <a:r>
+              <a:rPr lang="en-US" dirty="0" err="1"/>
+              <a:t>LogisticRegression</a:t>
+            </a:r>
+            <a:r>
+              <a:rPr lang="en-US" dirty="0"/>
+              <a:t> and SVM models. (X = [Volatility, </a:t>
+            </a:r>
+            <a:r>
+              <a:rPr lang="en-US" dirty="0" err="1"/>
+              <a:t>AvgVolatility</a:t>
+            </a:r>
+            <a:r>
+              <a:rPr lang="en-US" dirty="0"/>
+              <a:t>, </a:t>
+            </a:r>
+            <a:r>
+              <a:rPr lang="en-US" dirty="0" err="1"/>
+              <a:t>positive_sentiment</a:t>
+            </a:r>
+            <a:r>
+              <a:rPr lang="en-US" dirty="0"/>
+              <a:t>], Y = [Delta])</a:t>
+            </a:r>
+          </a:p>
+          <a:p>
+            <a:pPr marL="0" indent="0">
+              <a:buNone/>
+            </a:pPr>
+            <a:endParaRPr lang="en-US" dirty="0"/>
+          </a:p>
+          <a:p>
+            <a:r>
+              <a:rPr lang="en-US" b="1" dirty="0"/>
+              <a:t>Direction</a:t>
+            </a:r>
+            <a:r>
+              <a:rPr lang="en-US" dirty="0"/>
+              <a:t> of movement on stock prices using a </a:t>
+            </a:r>
+            <a:r>
+              <a:rPr lang="en-US" dirty="0" err="1"/>
+              <a:t>LogisticRegression</a:t>
+            </a:r>
+            <a:r>
+              <a:rPr lang="en-US" dirty="0"/>
+              <a:t>, SVM, and  a </a:t>
+            </a:r>
+            <a:r>
+              <a:rPr lang="en-US" dirty="0" err="1"/>
+              <a:t>KNeighborsClassifier</a:t>
+            </a:r>
+            <a:r>
+              <a:rPr lang="en-US" dirty="0"/>
+              <a:t> model. (X = [Volatility, </a:t>
+            </a:r>
+            <a:r>
+              <a:rPr lang="en-US" dirty="0" err="1"/>
+              <a:t>AvgVolatility</a:t>
+            </a:r>
+            <a:r>
+              <a:rPr lang="en-US" dirty="0"/>
+              <a:t>, </a:t>
+            </a:r>
+            <a:r>
+              <a:rPr lang="en-US" dirty="0" err="1"/>
+              <a:t>positive_sentiment</a:t>
+            </a:r>
+            <a:r>
+              <a:rPr lang="en-US" dirty="0"/>
+              <a:t>], Y = [Momentum])</a:t>
+            </a:r>
+          </a:p>
+          <a:p>
+            <a:pPr marL="0" indent="0">
+              <a:buNone/>
+            </a:pPr>
+            <a:endParaRPr lang="en-US" dirty="0"/>
+          </a:p>
+          <a:p>
+            <a:pPr marL="0" indent="0">
+              <a:buNone/>
+            </a:pPr>
+            <a:r>
+              <a:rPr lang="en-US" dirty="0"/>
+              <a:t>Traditional approaches use time-series models such as LSTMs, or regression over just the stock prices over a long range. We wanted to try a new approach of doing regression over inputs that contain some local context information (from past five datapoints), as well as the public sentiment.</a:t>
             </a:r>
           </a:p>
           <a:p>
@@ -10093,6 +11891,10 @@
           <a:p>
             <a:pPr algn="ctr"/>
             <a:r>
+              <a:rPr lang="en-US" dirty="0"/>
+              <a:t>Glove </a:t>
+            </a:r>
+            <a:r>
               <a:rPr lang="en-US" dirty="0" err="1"/>
               <a:t>emb_dim</a:t>
             </a:r>
@@ -10159,6 +11961,10 @@
           <a:p>
             <a:pPr algn="ctr"/>
             <a:r>
+              <a:rPr lang="en-US" dirty="0"/>
+              <a:t>Glove </a:t>
+            </a:r>
+            <a:r>
               <a:rPr lang="en-US" dirty="0" err="1"/>
               <a:t>emb_dim</a:t>
             </a:r>
@@ -10229,6 +12035,10 @@
           <a:p>
             <a:pPr algn="ctr"/>
             <a:r>
+              <a:rPr lang="en-US" dirty="0"/>
+              <a:t>Glove </a:t>
+            </a:r>
+            <a:r>
               <a:rPr lang="en-US" dirty="0" err="1"/>
               <a:t>emb_dim</a:t>
             </a:r>
@@ -10250,6 +12060,57 @@
             <a:r>
               <a:rPr lang="en-US" b="1" dirty="0"/>
               <a:t>0.75</a:t>
+            </a:r>
+          </a:p>
+        </p:txBody>
+      </p:sp>
+      <p:sp>
+        <p:nvSpPr>
+          <p:cNvPr id="16" name="TextBox 15">
+            <a:extLst>
+              <a:ext uri="{FF2B5EF4-FFF2-40B4-BE49-F238E27FC236}">
+                <a16:creationId xmlns:a16="http://schemas.microsoft.com/office/drawing/2014/main" id="{CEBC4841-6B3E-FAFD-202B-1CF78C69DE89}"/>
+              </a:ext>
+            </a:extLst>
+          </p:cNvPr>
+          <p:cNvSpPr txBox="1"/>
+          <p:nvPr/>
+        </p:nvSpPr>
+        <p:spPr>
+          <a:xfrm>
+            <a:off x="4455885" y="6367467"/>
+            <a:ext cx="4963886" cy="369332"/>
+          </a:xfrm>
+          <a:prstGeom prst="rect">
+            <a:avLst/>
+          </a:prstGeom>
+          <a:noFill/>
+        </p:spPr>
+        <p:txBody>
+          <a:bodyPr wrap="square" rtlCol="0">
+            <a:spAutoFit/>
+          </a:bodyPr>
+          <a:lstStyle/>
+          <a:p>
+            <a:r>
+              <a:rPr lang="en-US" dirty="0"/>
+              <a:t>Adam optimizer (</a:t>
+            </a:r>
+            <a:r>
+              <a:rPr lang="en-US" dirty="0" err="1"/>
+              <a:t>lr</a:t>
+            </a:r>
+            <a:r>
+              <a:rPr lang="en-US" dirty="0"/>
+              <a:t>=2e-4), </a:t>
+            </a:r>
+            <a:r>
+              <a:rPr lang="en-US" dirty="0" err="1"/>
+              <a:t>CrossEntropy</a:t>
+            </a:r>
+            <a:r>
+              <a:rPr lang="en-US" dirty="0"/>
+              <a:t> loss</a:t>
             </a:r>
           </a:p>
         </p:txBody>

--- a/reports/NLP Stock Prediction.pptx
+++ b/reports/NLP Stock Prediction.pptx
@@ -10136,7 +10136,7 @@
         </p:blipFill>
         <p:spPr>
           <a:xfrm>
-            <a:off x="4172374" y="3976795"/>
+            <a:off x="2285519" y="3976795"/>
             <a:ext cx="3132689" cy="2153723"/>
           </a:xfrm>
           <a:prstGeom prst="rect">
@@ -10166,8 +10166,38 @@
         </p:blipFill>
         <p:spPr>
           <a:xfrm>
-            <a:off x="7422730" y="3976795"/>
+            <a:off x="5535875" y="3976795"/>
             <a:ext cx="3132689" cy="2153724"/>
+          </a:xfrm>
+          <a:prstGeom prst="rect">
+            <a:avLst/>
+          </a:prstGeom>
+        </p:spPr>
+      </p:pic>
+      <p:pic>
+        <p:nvPicPr>
+          <p:cNvPr id="13" name="Picture 12">
+            <a:extLst>
+              <a:ext uri="{FF2B5EF4-FFF2-40B4-BE49-F238E27FC236}">
+                <a16:creationId xmlns:a16="http://schemas.microsoft.com/office/drawing/2014/main" id="{D89DDC4A-EE43-F90F-32DD-F96CC7E94B8C}"/>
+              </a:ext>
+            </a:extLst>
+          </p:cNvPr>
+          <p:cNvPicPr>
+            <a:picLocks noChangeAspect="1"/>
+          </p:cNvPicPr>
+          <p:nvPr/>
+        </p:nvPicPr>
+        <p:blipFill>
+          <a:blip r:embed="rId7"/>
+          <a:stretch>
+            <a:fillRect/>
+          </a:stretch>
+        </p:blipFill>
+        <p:spPr>
+          <a:xfrm>
+            <a:off x="8890641" y="3976795"/>
+            <a:ext cx="3132689" cy="2187910"/>
           </a:xfrm>
           <a:prstGeom prst="rect">
             <a:avLst/>

--- a/reports/NLP Stock Prediction.pptx
+++ b/reports/NLP Stock Prediction.pptx
@@ -23,8 +23,9 @@
     <p:sldId id="274" r:id="rId17"/>
     <p:sldId id="265" r:id="rId18"/>
     <p:sldId id="268" r:id="rId19"/>
-    <p:sldId id="269" r:id="rId20"/>
-    <p:sldId id="270" r:id="rId21"/>
+    <p:sldId id="277" r:id="rId20"/>
+    <p:sldId id="269" r:id="rId21"/>
+    <p:sldId id="270" r:id="rId22"/>
   </p:sldIdLst>
   <p:sldSz cx="12192000" cy="6858000"/>
   <p:notesSz cx="6858000" cy="9144000"/>
@@ -10502,19 +10503,86 @@
             <p:ph type="title"/>
           </p:nvPr>
         </p:nvSpPr>
+        <p:spPr/>
+        <p:txBody>
+          <a:bodyPr/>
+          <a:lstStyle/>
+          <a:p>
+            <a:r>
+              <a:rPr lang="en-US" dirty="0"/>
+              <a:t>Future Scope</a:t>
+            </a:r>
+          </a:p>
+        </p:txBody>
+      </p:sp>
+      <p:sp>
+        <p:nvSpPr>
+          <p:cNvPr id="3" name="Content Placeholder 2">
+            <a:extLst>
+              <a:ext uri="{FF2B5EF4-FFF2-40B4-BE49-F238E27FC236}">
+                <a16:creationId xmlns:a16="http://schemas.microsoft.com/office/drawing/2014/main" id="{7C24BC46-5C81-3DB5-9DAB-6C32E5208E8E}"/>
+              </a:ext>
+            </a:extLst>
+          </p:cNvPr>
+          <p:cNvSpPr>
+            <a:spLocks noGrp="1"/>
+          </p:cNvSpPr>
+          <p:nvPr>
+            <p:ph idx="1"/>
+          </p:nvPr>
+        </p:nvSpPr>
         <p:spPr>
           <a:xfrm>
-            <a:off x="5234526" y="3033481"/>
-            <a:ext cx="2327418" cy="1280890"/>
+            <a:off x="2589212" y="1422399"/>
+            <a:ext cx="9089266" cy="5254171"/>
           </a:xfrm>
         </p:spPr>
         <p:txBody>
-          <a:bodyPr/>
+          <a:bodyPr>
+            <a:normAutofit/>
+          </a:bodyPr>
           <a:lstStyle/>
           <a:p>
-            <a:r>
-              <a:rPr lang="en-US" dirty="0"/>
-              <a:t>Q &amp; A</a:t>
+            <a:pPr marL="0" indent="0">
+              <a:buNone/>
+            </a:pPr>
+            <a:r>
+              <a:rPr lang="en-US" dirty="0"/>
+              <a:t>Realizing the limitations of the project, we believe the following improvements could be made to make the predictor more robust.</a:t>
+            </a:r>
+          </a:p>
+          <a:p>
+            <a:r>
+              <a:rPr lang="en-US" dirty="0"/>
+              <a:t>Using ensembles to annotate data - currently, we train a bunch of models for sentiment classification. After training, we use the best model, and discard all the others. This results in poor utilization of trained models. We could instead construct an ensemble of all the performant classifiers and use them to annotate the tweets as positive/negative.</a:t>
+            </a:r>
+          </a:p>
+          <a:p>
+            <a:r>
+              <a:rPr lang="en-US" dirty="0"/>
+              <a:t>Range of dates of tweets - The size of the dataset of our stock prediction task is linearly dependent on the number of dates we choose our tweets from. While it is easier to fetch historical stock price data, it is much more difficult to fetch tweets spanning over a huge timeline. This demands a high amount of disk storage, compute and memory. However, using </a:t>
+            </a:r>
+            <a:r>
+              <a:rPr lang="en-US" dirty="0" err="1"/>
+              <a:t>disributed</a:t>
+            </a:r>
+            <a:r>
+              <a:rPr lang="en-US" dirty="0"/>
+              <a:t> computers or sophisticated devices, this may very well be possible.</a:t>
+            </a:r>
+          </a:p>
+          <a:p>
+            <a:r>
+              <a:rPr lang="en-US" dirty="0"/>
+              <a:t>For cross validation, we only searched the </a:t>
+            </a:r>
+            <a:r>
+              <a:rPr lang="en-US" dirty="0" err="1"/>
+              <a:t>regularisation</a:t>
+            </a:r>
+            <a:r>
+              <a:rPr lang="en-US" dirty="0"/>
+              <a:t> parameter. However, there are many other parameters that must be searched for obtaining a more performant predictor that generalizes well.</a:t>
             </a:r>
           </a:p>
         </p:txBody>
@@ -10522,7 +10590,7 @@
     </p:spTree>
     <p:extLst>
       <p:ext uri="{BB962C8B-B14F-4D97-AF65-F5344CB8AC3E}">
-        <p14:creationId xmlns:p14="http://schemas.microsoft.com/office/powerpoint/2010/main" val="2439685989"/>
+        <p14:creationId xmlns:p14="http://schemas.microsoft.com/office/powerpoint/2010/main" val="698033247"/>
       </p:ext>
     </p:extLst>
   </p:cSld>
@@ -10664,6 +10732,69 @@
 </file>
 
 <file path=ppt/slides/slide20.xml><?xml version="1.0" encoding="utf-8"?>
+<p:sld xmlns:a="http://schemas.openxmlformats.org/drawingml/2006/main" xmlns:r="http://schemas.openxmlformats.org/officeDocument/2006/relationships" xmlns:p="http://schemas.openxmlformats.org/presentationml/2006/main">
+  <p:cSld>
+    <p:spTree>
+      <p:nvGrpSpPr>
+        <p:cNvPr id="1" name=""/>
+        <p:cNvGrpSpPr/>
+        <p:nvPr/>
+      </p:nvGrpSpPr>
+      <p:grpSpPr>
+        <a:xfrm>
+          <a:off x="0" y="0"/>
+          <a:ext cx="0" cy="0"/>
+          <a:chOff x="0" y="0"/>
+          <a:chExt cx="0" cy="0"/>
+        </a:xfrm>
+      </p:grpSpPr>
+      <p:sp>
+        <p:nvSpPr>
+          <p:cNvPr id="2" name="Title 1">
+            <a:extLst>
+              <a:ext uri="{FF2B5EF4-FFF2-40B4-BE49-F238E27FC236}">
+                <a16:creationId xmlns:a16="http://schemas.microsoft.com/office/drawing/2014/main" id="{7560AB1B-04A3-D111-1921-EC487AED4968}"/>
+              </a:ext>
+            </a:extLst>
+          </p:cNvPr>
+          <p:cNvSpPr>
+            <a:spLocks noGrp="1"/>
+          </p:cNvSpPr>
+          <p:nvPr>
+            <p:ph type="title"/>
+          </p:nvPr>
+        </p:nvSpPr>
+        <p:spPr>
+          <a:xfrm>
+            <a:off x="5234526" y="3033481"/>
+            <a:ext cx="2327418" cy="1280890"/>
+          </a:xfrm>
+        </p:spPr>
+        <p:txBody>
+          <a:bodyPr/>
+          <a:lstStyle/>
+          <a:p>
+            <a:r>
+              <a:rPr lang="en-US" dirty="0"/>
+              <a:t>Q &amp; A</a:t>
+            </a:r>
+          </a:p>
+        </p:txBody>
+      </p:sp>
+    </p:spTree>
+    <p:extLst>
+      <p:ext uri="{BB962C8B-B14F-4D97-AF65-F5344CB8AC3E}">
+        <p14:creationId xmlns:p14="http://schemas.microsoft.com/office/powerpoint/2010/main" val="2439685989"/>
+      </p:ext>
+    </p:extLst>
+  </p:cSld>
+  <p:clrMapOvr>
+    <a:masterClrMapping/>
+  </p:clrMapOvr>
+</p:sld>
+</file>
+
+<file path=ppt/slides/slide21.xml><?xml version="1.0" encoding="utf-8"?>
 <p:sld xmlns:a="http://schemas.openxmlformats.org/drawingml/2006/main" xmlns:r="http://schemas.openxmlformats.org/officeDocument/2006/relationships" xmlns:p="http://schemas.openxmlformats.org/presentationml/2006/main">
   <p:cSld>
     <p:spTree>

--- a/reports/NLP Stock Prediction.pptx
+++ b/reports/NLP Stock Prediction.pptx
@@ -10560,29 +10560,13 @@
           <a:p>
             <a:r>
               <a:rPr lang="en-US" dirty="0"/>
-              <a:t>Range of dates of tweets - The size of the dataset of our stock prediction task is linearly dependent on the number of dates we choose our tweets from. While it is easier to fetch historical stock price data, it is much more difficult to fetch tweets spanning over a huge timeline. This demands a high amount of disk storage, compute and memory. However, using </a:t>
-            </a:r>
-            <a:r>
-              <a:rPr lang="en-US" dirty="0" err="1"/>
-              <a:t>disributed</a:t>
-            </a:r>
-            <a:r>
-              <a:rPr lang="en-US" dirty="0"/>
-              <a:t> computers or sophisticated devices, this may very well be possible.</a:t>
-            </a:r>
-          </a:p>
-          <a:p>
-            <a:r>
-              <a:rPr lang="en-US" dirty="0"/>
-              <a:t>For cross validation, we only searched the </a:t>
-            </a:r>
-            <a:r>
-              <a:rPr lang="en-US" dirty="0" err="1"/>
-              <a:t>regularisation</a:t>
-            </a:r>
-            <a:r>
-              <a:rPr lang="en-US" dirty="0"/>
-              <a:t> parameter. However, there are many other parameters that must be searched for obtaining a more performant predictor that generalizes well.</a:t>
+              <a:t>Range of dates of tweets - The size of the dataset of our stock prediction task is linearly dependent on the number of dates we choose our tweets from. While it is easier to fetch historical stock price data, it is much more difficult to fetch tweets spanning over a huge timeline. This demands a high amount of disk storage, compute and memory. However, using distributed computers or sophisticated devices, this may very well be possible.</a:t>
+            </a:r>
+          </a:p>
+          <a:p>
+            <a:r>
+              <a:rPr lang="en-US" dirty="0"/>
+              <a:t>For cross validation, we only searched the regularization parameter. However, there are many other parameters that must be searched for obtaining a more performant predictor that generalizes well.</a:t>
             </a:r>
           </a:p>
         </p:txBody>

--- a/reports/NLP Stock Prediction.pptx
+++ b/reports/NLP Stock Prediction.pptx
@@ -10645,7 +10645,12 @@
             <p:ph idx="1"/>
           </p:nvPr>
         </p:nvSpPr>
-        <p:spPr/>
+        <p:spPr>
+          <a:xfrm>
+            <a:off x="2589212" y="1748976"/>
+            <a:ext cx="8915400" cy="4484914"/>
+          </a:xfrm>
+        </p:spPr>
         <p:txBody>
           <a:bodyPr/>
           <a:lstStyle/>
@@ -10698,6 +10703,15 @@
             <a:r>
               <a:rPr lang="en-US" dirty="0"/>
               <a:t>Conclusion</a:t>
+            </a:r>
+          </a:p>
+          <a:p>
+            <a:endParaRPr lang="en-US" dirty="0"/>
+          </a:p>
+          <a:p>
+            <a:r>
+              <a:rPr lang="en-US" dirty="0"/>
+              <a:t>Future scope</a:t>
             </a:r>
           </a:p>
         </p:txBody>
